--- a/작은 친구 사이트 기획안.pptx
+++ b/작은 친구 사이트 기획안.pptx
@@ -1,20 +1,20 @@
 
 <file path=ppt/presentation.xml><?xml version="1.0" encoding="utf-8"?>
-<p:presentation xmlns:a="http://schemas.openxmlformats.org/drawingml/2006/main" xmlns:r="http://schemas.openxmlformats.org/officeDocument/2006/relationships" xmlns:p="http://schemas.openxmlformats.org/presentationml/2006/main" saveSubsetFonts="1">
+<p:presentation xmlns:a="http://schemas.openxmlformats.org/drawingml/2006/main" xmlns:r="http://schemas.openxmlformats.org/officeDocument/2006/relationships" xmlns:p="http://schemas.openxmlformats.org/presentationml/2006/main" xmlns:p14="http://schemas.microsoft.com/office/powerpoint/2010/main" saveSubsetFonts="1">
   <p:sldMasterIdLst>
-    <p:sldMasterId id="2147483649" r:id="rId1"/>
+    <p:sldMasterId id="2147483663" r:id="rId13"/>
   </p:sldMasterIdLst>
   <p:sldIdLst>
-    <p:sldId id="256" r:id="rId2"/>
-    <p:sldId id="257" r:id="rId3"/>
-    <p:sldId id="258" r:id="rId4"/>
-    <p:sldId id="259" r:id="rId5"/>
-    <p:sldId id="260" r:id="rId6"/>
-    <p:sldId id="261" r:id="rId7"/>
-    <p:sldId id="262" r:id="rId8"/>
-    <p:sldId id="265" r:id="rId9"/>
+    <p:sldId id="256" r:id="rId15"/>
+    <p:sldId id="257" r:id="rId16"/>
+    <p:sldId id="258" r:id="rId17"/>
+    <p:sldId id="259" r:id="rId18"/>
+    <p:sldId id="260" r:id="rId19"/>
+    <p:sldId id="261" r:id="rId20"/>
+    <p:sldId id="262" r:id="rId21"/>
+    <p:sldId id="265" r:id="rId22"/>
   </p:sldIdLst>
-  <p:sldSz cx="9144000" cy="6858000" type="screen4x3"/>
+  <p:sldSz cx="9144000" cy="6858000"/>
   <p:notesSz cx="6858000" cy="9144000"/>
   <p:defaultTextStyle>
     <a:defPPr>
@@ -114,12 +114,12 @@
   <p:extLst>
     <p:ext uri="{EFAFB233-063F-42B5-8137-9DF3F51BA10A}">
       <p15:sldGuideLst xmlns:p15="http://schemas.microsoft.com/office/powerpoint/2012/main">
-        <p15:guide id="1" orient="horz" pos="2160">
+        <p15:guide id="1" orient="horz" pos="2158" userDrawn="0">
           <p15:clr>
             <a:srgbClr val="A4A3A4"/>
           </p15:clr>
         </p15:guide>
-        <p15:guide id="2" pos="2880">
+        <p15:guide id="2" pos="2878" userDrawn="0">
           <p15:clr>
             <a:srgbClr val="A4A3A4"/>
           </p15:clr>
@@ -4765,7 +4765,7 @@
 </file>
 
 <file path=ppt/slides/slide2.xml><?xml version="1.0" encoding="utf-8"?>
-<p:sld xmlns:a="http://schemas.openxmlformats.org/drawingml/2006/main" xmlns:r="http://schemas.openxmlformats.org/officeDocument/2006/relationships" xmlns:p="http://schemas.openxmlformats.org/presentationml/2006/main">
+<p:sld xmlns:a="http://schemas.openxmlformats.org/drawingml/2006/main" xmlns:r="http://schemas.openxmlformats.org/officeDocument/2006/relationships" xmlns:p="http://schemas.openxmlformats.org/presentationml/2006/main" xmlns:p14="http://schemas.microsoft.com/office/powerpoint/2010/main">
   <p:cSld>
     <p:spTree>
       <p:nvGrpSpPr>
@@ -4793,7 +4793,7 @@
         </p:nvSpPr>
         <p:spPr>
           <a:xfrm>
-            <a:off x="425844" y="114103"/>
+            <a:off x="426085" y="114300"/>
             <a:ext cx="8229600" cy="1143000"/>
           </a:xfrm>
           <a:prstGeom prst="rect">
@@ -4888,26 +4888,31 @@
         </p:nvSpPr>
         <p:spPr>
           <a:xfrm>
-            <a:off x="457200" y="1231408"/>
-            <a:ext cx="8229600" cy="5326063"/>
+            <a:off x="457200" y="1231265"/>
+            <a:ext cx="8230235" cy="5327015"/>
           </a:xfrm>
           <a:prstGeom prst="rect">
             <a:avLst/>
           </a:prstGeom>
         </p:spPr>
         <p:txBody>
-          <a:bodyPr lIns="91440" tIns="45720" rIns="91440" bIns="45720"/>
+          <a:bodyPr wrap="square" lIns="91440" tIns="45720" rIns="91440" bIns="45720" numCol="1" vert="horz" anchor="t">
+            <a:noAutofit/>
+          </a:bodyPr>
           <a:lstStyle>
-            <a:lvl1pPr marL="334800" indent="-334800">
+            <a:lvl1pPr marL="334645" indent="-334645" defTabSz="508000">
               <a:lnSpc>
                 <a:spcPct val="175000"/>
               </a:lnSpc>
               <a:spcBef>
                 <a:spcPts val="0"/>
               </a:spcBef>
-              <a:buFont typeface="+mj-lt" pitchFamily="2" charset="2"/>
-              <a:buAutoNum type="arabicPeriod"/>
-              <a:defRPr sz="1600" b="1">
+              <a:spcAft>
+                <a:spcPts val="0"/>
+              </a:spcAft>
+              <a:buFontTx/>
+              <a:buNone/>
+              <a:defRPr lang="en-GB" altLang="en-US" sz="1600" b="1">
                 <a:solidFill>
                   <a:schemeClr val="tx1">
                     <a:lumMod val="75000"/>
@@ -4916,15 +4921,19 @@
                 </a:solidFill>
               </a:defRPr>
             </a:lvl1pPr>
-            <a:lvl2pPr marL="334800" indent="-334800">
+            <a:lvl2pPr marL="334645" indent="-334645" defTabSz="508000">
               <a:lnSpc>
                 <a:spcPct val="175000"/>
               </a:lnSpc>
               <a:spcBef>
                 <a:spcPts val="0"/>
               </a:spcBef>
-              <a:buNone/>
-              <a:defRPr sz="1200" b="1">
+              <a:spcAft>
+                <a:spcPts val="0"/>
+              </a:spcAft>
+              <a:buFontTx/>
+              <a:buNone/>
+              <a:defRPr lang="en-GB" altLang="en-US" sz="1200" b="1">
                 <a:solidFill>
                   <a:schemeClr val="tx1">
                     <a:lumMod val="75000"/>
@@ -4933,15 +4942,19 @@
                 </a:solidFill>
               </a:defRPr>
             </a:lvl2pPr>
-            <a:lvl3pPr marL="334800" indent="-334800">
+            <a:lvl3pPr marL="334645" indent="-334645" defTabSz="508000">
               <a:lnSpc>
                 <a:spcPct val="175000"/>
               </a:lnSpc>
               <a:spcBef>
                 <a:spcPts val="0"/>
               </a:spcBef>
-              <a:buNone/>
-              <a:defRPr sz="1200" b="1">
+              <a:spcAft>
+                <a:spcPts val="0"/>
+              </a:spcAft>
+              <a:buFontTx/>
+              <a:buNone/>
+              <a:defRPr lang="en-GB" altLang="en-US" sz="1200" b="1">
                 <a:solidFill>
                   <a:schemeClr val="tx1">
                     <a:lumMod val="75000"/>
@@ -4950,15 +4963,19 @@
                 </a:solidFill>
               </a:defRPr>
             </a:lvl3pPr>
-            <a:lvl4pPr marL="334800" indent="-334800">
+            <a:lvl4pPr marL="334645" indent="-334645" defTabSz="508000">
               <a:lnSpc>
                 <a:spcPct val="175000"/>
               </a:lnSpc>
               <a:spcBef>
                 <a:spcPts val="0"/>
               </a:spcBef>
-              <a:buNone/>
-              <a:defRPr sz="1200" b="1">
+              <a:spcAft>
+                <a:spcPts val="0"/>
+              </a:spcAft>
+              <a:buFontTx/>
+              <a:buNone/>
+              <a:defRPr lang="en-GB" altLang="en-US" sz="1200" b="1">
                 <a:solidFill>
                   <a:schemeClr val="tx1">
                     <a:lumMod val="75000"/>
@@ -4967,15 +4984,19 @@
                 </a:solidFill>
               </a:defRPr>
             </a:lvl4pPr>
-            <a:lvl5pPr marL="334800" indent="-334800">
+            <a:lvl5pPr marL="334645" indent="-334645" defTabSz="508000">
               <a:lnSpc>
                 <a:spcPct val="175000"/>
               </a:lnSpc>
               <a:spcBef>
                 <a:spcPts val="0"/>
               </a:spcBef>
-              <a:buNone/>
-              <a:defRPr sz="1200" b="1">
+              <a:spcAft>
+                <a:spcPts val="0"/>
+              </a:spcAft>
+              <a:buFontTx/>
+              <a:buNone/>
+              <a:defRPr lang="en-GB" altLang="en-US" sz="1200" b="1">
                 <a:solidFill>
                   <a:schemeClr val="tx1">
                     <a:lumMod val="75000"/>
@@ -4986,353 +5007,265 @@
             </a:lvl5pPr>
           </a:lstStyle>
           <a:p>
-            <a:pPr marL="0" lvl="0" indent="0" algn="ctr" defTabSz="914400" latinLnBrk="1">
+            <a:pPr marL="0" indent="0" algn="ctr" defTabSz="914400" latinLnBrk="1">
               <a:lnSpc>
                 <a:spcPct val="175000"/>
               </a:lnSpc>
               <a:spcBef>
                 <a:spcPts val="0"/>
               </a:spcBef>
-              <a:buNone/>
-            </a:pPr>
-            <a:r>
-              <a:rPr lang="ko-KR" altLang="en-US" sz="9600" b="1" kern="1200" dirty="0">
-                <a:solidFill>
-                  <a:schemeClr val="tx1">
-                    <a:alpha val="100000"/>
-                  </a:schemeClr>
-                </a:solidFill>
-                <a:latin typeface="+mn-lt"/>
-                <a:ea typeface="+mn-ea"/>
+              <a:spcAft>
+                <a:spcPts val="0"/>
+              </a:spcAft>
+              <a:buFontTx/>
+              <a:buNone/>
+            </a:pPr>
+            <a:r>
+              <a:rPr lang="ko-KR" altLang="en-US" sz="9600" b="1">
+                <a:solidFill>
+                  <a:schemeClr val="tx1"/>
+                </a:solidFill>
+                <a:latin typeface="나눔고딕" charset="0"/>
+                <a:ea typeface="나눔고딕" charset="0"/>
                 <a:cs typeface="+mn-cs"/>
               </a:rPr>
               <a:t>11:29</a:t>
             </a:r>
-          </a:p>
-          <a:p>
-            <a:pPr marL="0" lvl="0" indent="0" algn="ctr" defTabSz="914400" latinLnBrk="1">
+            <a:endParaRPr lang="ko-KR" altLang="en-US" sz="9600" b="1">
+              <a:solidFill>
+                <a:schemeClr val="tx1"/>
+              </a:solidFill>
+              <a:latin typeface="나눔고딕" charset="0"/>
+              <a:ea typeface="나눔고딕" charset="0"/>
+              <a:cs typeface="+mn-cs"/>
+            </a:endParaRPr>
+          </a:p>
+          <a:p>
+            <a:pPr marL="0" indent="0" algn="ctr" defTabSz="914400" latinLnBrk="1">
               <a:lnSpc>
                 <a:spcPct val="175000"/>
               </a:lnSpc>
               <a:spcBef>
                 <a:spcPts val="0"/>
               </a:spcBef>
-              <a:buNone/>
-            </a:pPr>
-            <a:r>
-              <a:rPr lang="ko-KR" altLang="en-US" sz="1600" b="1" kern="1200" dirty="0" err="1">
-                <a:solidFill>
-                  <a:schemeClr val="tx1">
-                    <a:alpha val="100000"/>
-                    <a:lumMod val="75000"/>
-                    <a:lumOff val="25000"/>
-                  </a:schemeClr>
-                </a:solidFill>
-                <a:latin typeface="+mn-lt"/>
-                <a:ea typeface="+mn-ea"/>
+              <a:spcAft>
+                <a:spcPts val="0"/>
+              </a:spcAft>
+              <a:buFontTx/>
+              <a:buNone/>
+            </a:pPr>
+            <a:r>
+              <a:rPr lang="ko-KR" altLang="en-US" sz="1600" b="1">
+                <a:solidFill>
+                  <a:schemeClr val="tx1">
+                    <a:lumMod val="75000"/>
+                    <a:lumOff val="25000"/>
+                  </a:schemeClr>
+                </a:solidFill>
+                <a:latin typeface="나눔고딕" charset="0"/>
+                <a:ea typeface="나눔고딕" charset="0"/>
                 <a:cs typeface="+mn-cs"/>
               </a:rPr>
-              <a:t>Good</a:t>
-            </a:r>
-            <a:r>
-              <a:rPr lang="ko-KR" altLang="en-US" sz="1600" b="1" kern="1200" dirty="0">
-                <a:solidFill>
-                  <a:schemeClr val="tx1">
-                    <a:alpha val="100000"/>
-                    <a:lumMod val="75000"/>
-                    <a:lumOff val="25000"/>
-                  </a:schemeClr>
-                </a:solidFill>
-                <a:latin typeface="+mn-lt"/>
-                <a:ea typeface="+mn-ea"/>
-                <a:cs typeface="+mn-cs"/>
-              </a:rPr>
-              <a:t> </a:t>
-            </a:r>
-            <a:r>
-              <a:rPr lang="ko-KR" altLang="en-US" sz="1600" b="1" kern="1200" dirty="0" err="1">
-                <a:solidFill>
-                  <a:schemeClr val="tx1">
-                    <a:alpha val="100000"/>
-                    <a:lumMod val="75000"/>
-                    <a:lumOff val="25000"/>
-                  </a:schemeClr>
-                </a:solidFill>
-                <a:latin typeface="+mn-lt"/>
-                <a:ea typeface="+mn-ea"/>
-                <a:cs typeface="+mn-cs"/>
-              </a:rPr>
-              <a:t>Morning</a:t>
-            </a:r>
-            <a:r>
-              <a:rPr lang="ko-KR" altLang="en-US" sz="1600" b="1" kern="1200" dirty="0">
-                <a:solidFill>
-                  <a:schemeClr val="tx1">
-                    <a:alpha val="100000"/>
-                    <a:lumMod val="75000"/>
-                    <a:lumOff val="25000"/>
-                  </a:schemeClr>
-                </a:solidFill>
-                <a:latin typeface="+mn-lt"/>
-                <a:ea typeface="+mn-ea"/>
-                <a:cs typeface="+mn-cs"/>
-              </a:rPr>
-              <a:t>, 누구</a:t>
-            </a:r>
-          </a:p>
-          <a:p>
-            <a:pPr marL="0" lvl="0" indent="0" algn="ctr" defTabSz="914400" latinLnBrk="1">
-              <a:lnSpc>
-                <a:spcPct val="175000"/>
-              </a:lnSpc>
-              <a:spcBef>
-                <a:spcPts val="0"/>
-              </a:spcBef>
-              <a:buNone/>
-            </a:pPr>
-            <a:r>
-              <a:rPr lang="ko-KR" altLang="en-US" sz="1600" b="1" kern="1200" dirty="0" err="1">
-                <a:solidFill>
-                  <a:schemeClr val="tx1">
-                    <a:alpha val="100000"/>
-                    <a:lumMod val="75000"/>
-                    <a:lumOff val="25000"/>
-                  </a:schemeClr>
-                </a:solidFill>
-                <a:latin typeface="+mn-lt"/>
-                <a:ea typeface="+mn-ea"/>
-                <a:cs typeface="+mn-cs"/>
-              </a:rPr>
-              <a:t>Good</a:t>
-            </a:r>
-            <a:r>
-              <a:rPr lang="ko-KR" altLang="en-US" sz="1600" b="1" kern="1200" dirty="0">
-                <a:solidFill>
-                  <a:schemeClr val="tx1">
-                    <a:alpha val="100000"/>
-                    <a:lumMod val="75000"/>
-                    <a:lumOff val="25000"/>
-                  </a:schemeClr>
-                </a:solidFill>
-                <a:latin typeface="+mn-lt"/>
-                <a:ea typeface="+mn-ea"/>
-                <a:cs typeface="+mn-cs"/>
-              </a:rPr>
-              <a:t> </a:t>
-            </a:r>
-            <a:r>
-              <a:rPr lang="ko-KR" altLang="en-US" sz="1600" b="1" kern="1200" dirty="0" err="1">
-                <a:solidFill>
-                  <a:schemeClr val="tx1">
-                    <a:alpha val="100000"/>
-                    <a:lumMod val="75000"/>
-                    <a:lumOff val="25000"/>
-                  </a:schemeClr>
-                </a:solidFill>
-                <a:latin typeface="+mn-lt"/>
-                <a:ea typeface="+mn-ea"/>
-                <a:cs typeface="+mn-cs"/>
-              </a:rPr>
-              <a:t>Afternoon</a:t>
-            </a:r>
-            <a:r>
-              <a:rPr lang="ko-KR" altLang="en-US" sz="1600" b="1" kern="1200" dirty="0">
-                <a:solidFill>
-                  <a:schemeClr val="tx1">
-                    <a:alpha val="100000"/>
-                    <a:lumMod val="75000"/>
-                    <a:lumOff val="25000"/>
-                  </a:schemeClr>
-                </a:solidFill>
-                <a:latin typeface="+mn-lt"/>
-                <a:ea typeface="+mn-ea"/>
-                <a:cs typeface="+mn-cs"/>
-              </a:rPr>
-              <a:t>, 누구</a:t>
-            </a:r>
-          </a:p>
-          <a:p>
-            <a:pPr marL="0" lvl="0" indent="0" algn="ctr" defTabSz="914400" latinLnBrk="1">
-              <a:lnSpc>
-                <a:spcPct val="175000"/>
-              </a:lnSpc>
-              <a:spcBef>
-                <a:spcPts val="0"/>
-              </a:spcBef>
-              <a:buNone/>
-            </a:pPr>
-            <a:r>
-              <a:rPr lang="ko-KR" altLang="en-US" sz="1600" b="1" kern="1200" dirty="0" err="1">
-                <a:solidFill>
-                  <a:schemeClr val="tx1">
-                    <a:alpha val="100000"/>
-                    <a:lumMod val="75000"/>
-                    <a:lumOff val="25000"/>
-                  </a:schemeClr>
-                </a:solidFill>
-                <a:latin typeface="+mn-lt"/>
-                <a:ea typeface="+mn-ea"/>
-                <a:cs typeface="+mn-cs"/>
-              </a:rPr>
-              <a:t>Good</a:t>
-            </a:r>
-            <a:r>
-              <a:rPr lang="ko-KR" altLang="en-US" sz="1600" b="1" kern="1200" dirty="0">
-                <a:solidFill>
-                  <a:schemeClr val="tx1">
-                    <a:alpha val="100000"/>
-                    <a:lumMod val="75000"/>
-                    <a:lumOff val="25000"/>
-                  </a:schemeClr>
-                </a:solidFill>
-                <a:latin typeface="+mn-lt"/>
-                <a:ea typeface="+mn-ea"/>
-                <a:cs typeface="+mn-cs"/>
-              </a:rPr>
-              <a:t> </a:t>
-            </a:r>
-            <a:r>
-              <a:rPr lang="ko-KR" altLang="en-US" sz="1600" b="1" kern="1200" dirty="0" err="1">
-                <a:solidFill>
-                  <a:schemeClr val="tx1">
-                    <a:alpha val="100000"/>
-                    <a:lumMod val="75000"/>
-                    <a:lumOff val="25000"/>
-                  </a:schemeClr>
-                </a:solidFill>
-                <a:latin typeface="+mn-lt"/>
-                <a:ea typeface="+mn-ea"/>
-                <a:cs typeface="+mn-cs"/>
-              </a:rPr>
-              <a:t>Evening</a:t>
-            </a:r>
-            <a:r>
-              <a:rPr lang="ko-KR" altLang="en-US" sz="1600" b="1" kern="1200" dirty="0">
-                <a:solidFill>
-                  <a:schemeClr val="tx1">
-                    <a:alpha val="100000"/>
-                    <a:lumMod val="75000"/>
-                    <a:lumOff val="25000"/>
-                  </a:schemeClr>
-                </a:solidFill>
-                <a:latin typeface="+mn-lt"/>
-                <a:ea typeface="+mn-ea"/>
-                <a:cs typeface="+mn-cs"/>
-              </a:rPr>
-              <a:t>, 누구</a:t>
-            </a:r>
-          </a:p>
-          <a:p>
-            <a:pPr marL="0" lvl="0" indent="0" algn="ctr" defTabSz="914400" latinLnBrk="1">
-              <a:lnSpc>
-                <a:spcPct val="175000"/>
-              </a:lnSpc>
-              <a:spcBef>
-                <a:spcPts val="0"/>
-              </a:spcBef>
-              <a:buNone/>
-            </a:pPr>
-            <a:endParaRPr lang="ko-KR" altLang="en-US" sz="1600" b="1" kern="1200" dirty="0">
+              <a:t>Good Morning, 누구</a:t>
+            </a:r>
+            <a:endParaRPr lang="ko-KR" altLang="en-US" sz="1600" b="1">
               <a:solidFill>
                 <a:schemeClr val="tx1">
-                  <a:alpha val="100000"/>
                   <a:lumMod val="75000"/>
                   <a:lumOff val="25000"/>
                 </a:schemeClr>
               </a:solidFill>
-              <a:latin typeface="+mn-lt"/>
-              <a:ea typeface="+mn-ea"/>
+              <a:latin typeface="나눔고딕" charset="0"/>
+              <a:ea typeface="나눔고딕" charset="0"/>
               <a:cs typeface="+mn-cs"/>
             </a:endParaRPr>
           </a:p>
           <a:p>
-            <a:pPr marL="0" lvl="0" indent="0" algn="ctr" defTabSz="914400" latinLnBrk="1">
+            <a:pPr marL="0" indent="0" algn="ctr" defTabSz="914400" latinLnBrk="1">
               <a:lnSpc>
                 <a:spcPct val="175000"/>
               </a:lnSpc>
               <a:spcBef>
                 <a:spcPts val="0"/>
               </a:spcBef>
-              <a:buNone/>
-            </a:pPr>
-            <a:r>
-              <a:rPr lang="ko-KR" altLang="en-US" sz="1600" b="1" kern="1200" dirty="0" err="1">
-                <a:solidFill>
-                  <a:schemeClr val="tx1">
-                    <a:alpha val="100000"/>
-                    <a:lumMod val="75000"/>
-                    <a:lumOff val="25000"/>
-                  </a:schemeClr>
-                </a:solidFill>
-                <a:latin typeface="+mn-lt"/>
-                <a:ea typeface="+mn-ea"/>
+              <a:spcAft>
+                <a:spcPts val="0"/>
+              </a:spcAft>
+              <a:buFontTx/>
+              <a:buNone/>
+            </a:pPr>
+            <a:r>
+              <a:rPr lang="ko-KR" altLang="en-US" sz="1600" b="1">
+                <a:solidFill>
+                  <a:schemeClr val="tx1">
+                    <a:lumMod val="75000"/>
+                    <a:lumOff val="25000"/>
+                  </a:schemeClr>
+                </a:solidFill>
+                <a:latin typeface="나눔고딕" charset="0"/>
+                <a:ea typeface="나눔고딕" charset="0"/>
                 <a:cs typeface="+mn-cs"/>
               </a:rPr>
-              <a:t>Login</a:t>
-            </a:r>
-            <a:r>
-              <a:rPr lang="ko-KR" altLang="en-US" sz="1600" b="1" kern="1200" dirty="0">
-                <a:solidFill>
-                  <a:schemeClr val="tx1">
-                    <a:alpha val="100000"/>
-                    <a:lumMod val="75000"/>
-                    <a:lumOff val="25000"/>
-                  </a:schemeClr>
-                </a:solidFill>
-                <a:latin typeface="+mn-lt"/>
-                <a:ea typeface="+mn-ea"/>
-                <a:cs typeface="+mn-cs"/>
-              </a:rPr>
-              <a:t>   </a:t>
-            </a:r>
-            <a:r>
-              <a:rPr lang="ko-KR" altLang="en-US" sz="1600" b="1" kern="1200" dirty="0" err="1">
-                <a:solidFill>
-                  <a:schemeClr val="tx1">
-                    <a:alpha val="100000"/>
-                    <a:lumMod val="75000"/>
-                    <a:lumOff val="25000"/>
-                  </a:schemeClr>
-                </a:solidFill>
-                <a:latin typeface="+mn-lt"/>
-                <a:ea typeface="+mn-ea"/>
-                <a:cs typeface="+mn-cs"/>
-              </a:rPr>
-              <a:t>Signup</a:t>
-            </a:r>
-            <a:endParaRPr lang="en-US" altLang="ko-KR" sz="1600" b="1" kern="1200" dirty="0">
+              <a:t>Good Afternoon, 누구</a:t>
+            </a:r>
+            <a:endParaRPr lang="ko-KR" altLang="en-US" sz="1600" b="1">
               <a:solidFill>
                 <a:schemeClr val="tx1">
-                  <a:alpha val="100000"/>
                   <a:lumMod val="75000"/>
                   <a:lumOff val="25000"/>
                 </a:schemeClr>
               </a:solidFill>
-              <a:latin typeface="+mn-lt"/>
-              <a:ea typeface="+mn-ea"/>
+              <a:latin typeface="나눔고딕" charset="0"/>
+              <a:ea typeface="나눔고딕" charset="0"/>
               <a:cs typeface="+mn-cs"/>
             </a:endParaRPr>
           </a:p>
           <a:p>
-            <a:pPr marL="0" lvl="0" indent="0" algn="ctr">
-              <a:buNone/>
-            </a:pPr>
-            <a:r>
-              <a:rPr lang="en-US" altLang="ko-KR" dirty="0">
-                <a:hlinkClick r:id="rId2"/>
-              </a:rPr>
-              <a:t>https://source.unsplash.com/1600x900/?nature</a:t>
-            </a:r>
-            <a:endParaRPr lang="ko-KR" altLang="en-US" sz="1600" b="1" kern="1200" dirty="0">
+            <a:pPr marL="0" indent="0" algn="ctr" defTabSz="914400" latinLnBrk="1">
+              <a:lnSpc>
+                <a:spcPct val="175000"/>
+              </a:lnSpc>
+              <a:spcBef>
+                <a:spcPts val="0"/>
+              </a:spcBef>
+              <a:spcAft>
+                <a:spcPts val="0"/>
+              </a:spcAft>
+              <a:buFontTx/>
+              <a:buNone/>
+            </a:pPr>
+            <a:r>
+              <a:rPr lang="ko-KR" altLang="en-US" sz="1600" b="1">
+                <a:solidFill>
+                  <a:schemeClr val="tx1">
+                    <a:lumMod val="75000"/>
+                    <a:lumOff val="25000"/>
+                  </a:schemeClr>
+                </a:solidFill>
+                <a:latin typeface="나눔고딕" charset="0"/>
+                <a:ea typeface="나눔고딕" charset="0"/>
+                <a:cs typeface="+mn-cs"/>
+              </a:rPr>
+              <a:t>Good Evening, 누구</a:t>
+            </a:r>
+            <a:endParaRPr lang="ko-KR" altLang="en-US" sz="1600" b="1">
               <a:solidFill>
                 <a:schemeClr val="tx1">
-                  <a:alpha val="100000"/>
                   <a:lumMod val="75000"/>
                   <a:lumOff val="25000"/>
                 </a:schemeClr>
               </a:solidFill>
-              <a:latin typeface="+mn-lt"/>
-              <a:ea typeface="+mn-ea"/>
+              <a:latin typeface="나눔고딕" charset="0"/>
+              <a:ea typeface="나눔고딕" charset="0"/>
+              <a:cs typeface="+mn-cs"/>
+            </a:endParaRPr>
+          </a:p>
+          <a:p>
+            <a:pPr marL="0" indent="0" algn="ctr" defTabSz="914400" latinLnBrk="1">
+              <a:lnSpc>
+                <a:spcPct val="175000"/>
+              </a:lnSpc>
+              <a:spcBef>
+                <a:spcPts val="0"/>
+              </a:spcBef>
+              <a:spcAft>
+                <a:spcPts val="0"/>
+              </a:spcAft>
+              <a:buFontTx/>
+              <a:buNone/>
+            </a:pPr>
+            <a:endParaRPr lang="ko-KR" altLang="en-US" sz="1600" b="1">
+              <a:solidFill>
+                <a:schemeClr val="tx1">
+                  <a:lumMod val="75000"/>
+                  <a:lumOff val="25000"/>
+                </a:schemeClr>
+              </a:solidFill>
+              <a:latin typeface="나눔고딕" charset="0"/>
+              <a:ea typeface="나눔고딕" charset="0"/>
+              <a:cs typeface="+mn-cs"/>
+            </a:endParaRPr>
+          </a:p>
+          <a:p>
+            <a:pPr marL="0" indent="0" algn="ctr" defTabSz="914400" latinLnBrk="1">
+              <a:lnSpc>
+                <a:spcPct val="175000"/>
+              </a:lnSpc>
+              <a:spcBef>
+                <a:spcPts val="0"/>
+              </a:spcBef>
+              <a:spcAft>
+                <a:spcPts val="0"/>
+              </a:spcAft>
+              <a:buFontTx/>
+              <a:buNone/>
+            </a:pPr>
+            <a:r>
+              <a:rPr lang="ko-KR" altLang="en-US" sz="1600" b="1">
+                <a:solidFill>
+                  <a:schemeClr val="tx1">
+                    <a:lumMod val="75000"/>
+                    <a:lumOff val="25000"/>
+                  </a:schemeClr>
+                </a:solidFill>
+                <a:latin typeface="나눔고딕" charset="0"/>
+                <a:ea typeface="나눔고딕" charset="0"/>
+                <a:cs typeface="+mn-cs"/>
+              </a:rPr>
+              <a:t>Login   Signup</a:t>
+            </a:r>
+            <a:r>
+              <a:rPr lang="ko-KR" altLang="en-US" sz="1600" b="1">
+                <a:solidFill>
+                  <a:schemeClr val="tx1">
+                    <a:lumMod val="75000"/>
+                    <a:lumOff val="25000"/>
+                  </a:schemeClr>
+                </a:solidFill>
+                <a:latin typeface="나눔고딕" charset="0"/>
+                <a:ea typeface="나눔고딕" charset="0"/>
+                <a:cs typeface="+mn-cs"/>
+              </a:rPr>
+              <a:t>  SamplePage</a:t>
+            </a:r>
+            <a:endParaRPr lang="ko-KR" altLang="en-US" sz="1600" b="1">
+              <a:solidFill>
+                <a:schemeClr val="tx1">
+                  <a:lumMod val="75000"/>
+                  <a:lumOff val="25000"/>
+                </a:schemeClr>
+              </a:solidFill>
+              <a:latin typeface="나눔고딕" charset="0"/>
+              <a:ea typeface="나눔고딕" charset="0"/>
+              <a:cs typeface="+mn-cs"/>
+            </a:endParaRPr>
+          </a:p>
+          <a:p>
+            <a:pPr marL="0" indent="0" algn="ctr" defTabSz="914400" latinLnBrk="1">
+              <a:lnSpc>
+                <a:spcPct val="175000"/>
+              </a:lnSpc>
+              <a:spcBef>
+                <a:spcPts val="0"/>
+              </a:spcBef>
+              <a:spcAft>
+                <a:spcPts val="0"/>
+              </a:spcAft>
+              <a:buFontTx/>
+              <a:buNone/>
+            </a:pPr>
+            <a:r>
+              <a:rPr lang="en-US" altLang="ko-KR" sz="1600" b="1">
+                <a:latin typeface="나눔고딕" charset="0"/>
+                <a:ea typeface="나눔고딕" charset="0"/>
+                <a:cs typeface="+mn-cs"/>
+                <a:hlinkClick r:id="rId3"/>
+              </a:rPr>
+              <a:t>https://source.unsplash.com/1600x900/?nature</a:t>
+            </a:r>
+            <a:endParaRPr lang="ko-KR" altLang="en-US" sz="1600" b="1">
+              <a:latin typeface="나눔고딕" charset="0"/>
+              <a:ea typeface="나눔고딕" charset="0"/>
               <a:cs typeface="+mn-cs"/>
             </a:endParaRPr>
           </a:p>
@@ -5343,11 +5276,26 @@
   <p:clrMapOvr>
     <a:masterClrMapping/>
   </p:clrMapOvr>
+  <mc:AlternateContent xmlns:mc="http://schemas.openxmlformats.org/markup-compatibility/2006">
+    <mc:Choice xmlns:p14="http://schemas.microsoft.com/office/powerpoint/2010/main" Requires="p14">
+      <p:transition spd="slow" p14:dur="2000"/>
+    </mc:Choice>
+    <mc:Fallback>
+      <p:transition spd="slow"/>
+    </mc:Fallback>
+  </mc:AlternateContent>
+  <p:timing>
+    <p:tnLst>
+      <p:par>
+        <p:cTn id="1" dur="indefinite" restart="never" nodeType="tmRoot"/>
+      </p:par>
+    </p:tnLst>
+  </p:timing>
 </p:sld>
 </file>
 
 <file path=ppt/slides/slide3.xml><?xml version="1.0" encoding="utf-8"?>
-<p:sld xmlns:a="http://schemas.openxmlformats.org/drawingml/2006/main" xmlns:r="http://schemas.openxmlformats.org/officeDocument/2006/relationships" xmlns:p="http://schemas.openxmlformats.org/presentationml/2006/main">
+<p:sld xmlns:a="http://schemas.openxmlformats.org/drawingml/2006/main" xmlns:r="http://schemas.openxmlformats.org/officeDocument/2006/relationships" xmlns:p="http://schemas.openxmlformats.org/presentationml/2006/main" xmlns:p14="http://schemas.microsoft.com/office/powerpoint/2010/main">
   <p:cSld>
     <p:spTree>
       <p:nvGrpSpPr>
@@ -5371,8 +5319,8 @@
         </p:nvSpPr>
         <p:spPr>
           <a:xfrm>
-            <a:off x="-4762" y="6567487"/>
-            <a:ext cx="9172575" cy="342899"/>
+            <a:off x="-4445" y="6567170"/>
+            <a:ext cx="9172575" cy="342900"/>
           </a:xfrm>
           <a:prstGeom prst="rect">
             <a:avLst/>
@@ -5406,8 +5354,8 @@
         </p:nvSpPr>
         <p:spPr>
           <a:xfrm>
-            <a:off x="-9525" y="4980"/>
-            <a:ext cx="9153525" cy="409574"/>
+            <a:off x="-9525" y="5080"/>
+            <a:ext cx="9153525" cy="409575"/>
           </a:xfrm>
           <a:prstGeom prst="rect">
             <a:avLst/>
@@ -5444,8 +5392,8 @@
         </p:nvSpPr>
         <p:spPr>
           <a:xfrm>
-            <a:off x="436789" y="290513"/>
-            <a:ext cx="8229600" cy="826489"/>
+            <a:off x="436880" y="290830"/>
+            <a:ext cx="8229600" cy="826770"/>
           </a:xfrm>
           <a:prstGeom prst="rect">
             <a:avLst/>
@@ -5489,8 +5437,8 @@
         </p:nvSpPr>
         <p:spPr>
           <a:xfrm>
-            <a:off x="436789" y="1140958"/>
-            <a:ext cx="2234292" cy="5005614"/>
+            <a:off x="436880" y="1141095"/>
+            <a:ext cx="2234565" cy="5005705"/>
           </a:xfrm>
           <a:prstGeom prst="rect">
             <a:avLst/>
@@ -5815,7 +5763,7 @@
       </p:sp>
       <p:pic>
         <p:nvPicPr>
-          <p:cNvPr id="7" name="nppt_1576548815524369" descr="이미지"/>
+          <p:cNvPr id="7" name="nppt_1576548815524369"/>
           <p:cNvPicPr>
             <a:picLocks noChangeAspect="1"/>
           </p:cNvPicPr>
@@ -5829,8 +5777,8 @@
         </p:blipFill>
         <p:spPr>
           <a:xfrm>
-            <a:off x="324530" y="1602241"/>
-            <a:ext cx="1898196" cy="1224642"/>
+            <a:off x="324485" y="1602105"/>
+            <a:ext cx="1898015" cy="1224915"/>
           </a:xfrm>
           <a:prstGeom prst="rect">
             <a:avLst/>
@@ -5845,8 +5793,8 @@
         </p:nvSpPr>
         <p:spPr>
           <a:xfrm>
-            <a:off x="4832712" y="6249369"/>
-            <a:ext cx="3810000" cy="318117"/>
+            <a:off x="4832985" y="6249670"/>
+            <a:ext cx="3810000" cy="318135"/>
           </a:xfrm>
           <a:prstGeom prst="rect">
             <a:avLst/>
@@ -5888,7 +5836,7 @@
       </p:sp>
       <p:pic>
         <p:nvPicPr>
-          <p:cNvPr id="9" name="nppt_1576548815524762" descr="이미지"/>
+          <p:cNvPr id="9" name="nppt_1576548815524762"/>
           <p:cNvPicPr>
             <a:picLocks noChangeAspect="1"/>
           </p:cNvPicPr>
@@ -5902,8 +5850,8 @@
         </p:blipFill>
         <p:spPr>
           <a:xfrm>
-            <a:off x="2394380" y="1192429"/>
-            <a:ext cx="1949223" cy="1949223"/>
+            <a:off x="2394585" y="1192530"/>
+            <a:ext cx="1949450" cy="1949450"/>
           </a:xfrm>
           <a:prstGeom prst="rect">
             <a:avLst/>
@@ -5912,7 +5860,7 @@
       </p:pic>
       <p:pic>
         <p:nvPicPr>
-          <p:cNvPr id="10" name="nppt_1576548815524825" descr="이미지"/>
+          <p:cNvPr id="10" name="nppt_1576548815524825"/>
           <p:cNvPicPr>
             <a:picLocks noChangeAspect="1"/>
           </p:cNvPicPr>
@@ -5926,8 +5874,8 @@
         </p:blipFill>
         <p:spPr>
           <a:xfrm>
-            <a:off x="6853237" y="3699463"/>
-            <a:ext cx="1949223" cy="1949223"/>
+            <a:off x="6852920" y="3699510"/>
+            <a:ext cx="1949450" cy="1949450"/>
           </a:xfrm>
           <a:prstGeom prst="rect">
             <a:avLst/>
@@ -5936,7 +5884,7 @@
       </p:pic>
       <p:pic>
         <p:nvPicPr>
-          <p:cNvPr id="11" name="nppt_1576548815524830" descr="이미지"/>
+          <p:cNvPr id="11" name="nppt_1576548815524830"/>
           <p:cNvPicPr>
             <a:picLocks noChangeAspect="1"/>
           </p:cNvPicPr>
@@ -5950,8 +5898,8 @@
         </p:blipFill>
         <p:spPr>
           <a:xfrm>
-            <a:off x="6853237" y="1263753"/>
-            <a:ext cx="1949223" cy="1949223"/>
+            <a:off x="6852920" y="1263650"/>
+            <a:ext cx="1949450" cy="1949450"/>
           </a:xfrm>
           <a:prstGeom prst="rect">
             <a:avLst/>
@@ -5960,7 +5908,7 @@
       </p:pic>
       <p:pic>
         <p:nvPicPr>
-          <p:cNvPr id="12" name="nppt_1576548815524835" descr="이미지"/>
+          <p:cNvPr id="12" name="nppt_1576548815524835"/>
           <p:cNvPicPr>
             <a:picLocks noChangeAspect="1"/>
           </p:cNvPicPr>
@@ -5974,8 +5922,8 @@
         </p:blipFill>
         <p:spPr>
           <a:xfrm>
-            <a:off x="4632755" y="3699463"/>
-            <a:ext cx="1949223" cy="1949223"/>
+            <a:off x="4632960" y="3699510"/>
+            <a:ext cx="1949450" cy="1949450"/>
           </a:xfrm>
           <a:prstGeom prst="rect">
             <a:avLst/>
@@ -5984,7 +5932,7 @@
       </p:pic>
       <p:pic>
         <p:nvPicPr>
-          <p:cNvPr id="13" name="nppt_1576548815524840" descr="이미지"/>
+          <p:cNvPr id="13" name="nppt_1576548815524840"/>
           <p:cNvPicPr>
             <a:picLocks noChangeAspect="1"/>
           </p:cNvPicPr>
@@ -5998,8 +5946,8 @@
         </p:blipFill>
         <p:spPr>
           <a:xfrm>
-            <a:off x="2394380" y="3699463"/>
-            <a:ext cx="1949223" cy="1949223"/>
+            <a:off x="2394585" y="3699510"/>
+            <a:ext cx="1949450" cy="1949450"/>
           </a:xfrm>
           <a:prstGeom prst="rect">
             <a:avLst/>
@@ -6008,7 +5956,7 @@
       </p:pic>
       <p:pic>
         <p:nvPicPr>
-          <p:cNvPr id="14" name="nppt_1576548815524845" descr="이미지"/>
+          <p:cNvPr id="14" name="nppt_1576548815524845"/>
           <p:cNvPicPr>
             <a:picLocks noChangeAspect="1"/>
           </p:cNvPicPr>
@@ -6022,8 +5970,8 @@
         </p:blipFill>
         <p:spPr>
           <a:xfrm>
-            <a:off x="4632755" y="1196655"/>
-            <a:ext cx="1949223" cy="1949223"/>
+            <a:off x="4632960" y="1196340"/>
+            <a:ext cx="1949450" cy="1949450"/>
           </a:xfrm>
           <a:prstGeom prst="rect">
             <a:avLst/>
@@ -6033,27 +5981,36 @@
       <p:sp>
         <p:nvSpPr>
           <p:cNvPr id="15" name="nppt_15765488155241547"/>
-          <p:cNvSpPr/>
+          <p:cNvSpPr>
+            <a:spLocks/>
+          </p:cNvSpPr>
           <p:nvPr/>
         </p:nvSpPr>
         <p:spPr>
-          <a:xfrm>
-            <a:off x="7096125" y="116485"/>
-            <a:ext cx="2626178" cy="267091"/>
+          <a:xfrm rot="0">
+            <a:off x="7850505" y="73025"/>
+            <a:ext cx="1382395" cy="267970"/>
           </a:xfrm>
-          <a:prstGeom prst="rect">
-            <a:avLst/>
-          </a:prstGeom>
+          <a:prstGeom prst="rect"/>
           <a:noFill/>
         </p:spPr>
         <p:txBody>
-          <a:bodyPr lIns="90000" tIns="46800" rIns="90000" bIns="46800" anchor="t"/>
+          <a:bodyPr wrap="square" lIns="90170" tIns="46990" rIns="90170" bIns="46990" numCol="1" vert="horz" anchor="t">
+            <a:noAutofit/>
+          </a:bodyPr>
           <a:lstStyle/>
           <a:p>
-            <a:pPr marL="0">
+            <a:pPr marL="0" indent="0" algn="l" defTabSz="914400" latinLnBrk="1">
               <a:lnSpc>
                 <a:spcPct val="100000"/>
               </a:lnSpc>
+              <a:spcBef>
+                <a:spcPts val="0"/>
+              </a:spcBef>
+              <a:spcAft>
+                <a:spcPts val="0"/>
+              </a:spcAft>
+              <a:buFontTx/>
               <a:buNone/>
             </a:pPr>
             <a:r>
@@ -6061,10 +6018,38 @@
                 <a:solidFill>
                   <a:srgbClr val="3F3F3F"/>
                 </a:solidFill>
-                <a:ea typeface="나눔고딕"/>
-              </a:rPr>
-              <a:t>마이페이지 로그인 회원가입</a:t>
-            </a:r>
+                <a:latin typeface="나눔고딕" charset="0"/>
+                <a:ea typeface="나눔고딕" charset="0"/>
+              </a:rPr>
+              <a:t>로그인</a:t>
+            </a:r>
+            <a:r>
+              <a:rPr lang="ko-KR" altLang="ko-KR" sz="1200" b="1">
+                <a:solidFill>
+                  <a:srgbClr val="3F3F3F"/>
+                </a:solidFill>
+                <a:latin typeface="나눔고딕" charset="0"/>
+                <a:ea typeface="나눔고딕" charset="0"/>
+              </a:rPr>
+              <a:t> </a:t>
+            </a:r>
+            <a:r>
+              <a:rPr lang="ko-KR" altLang="ko-KR" sz="1200" b="1">
+                <a:solidFill>
+                  <a:srgbClr val="3F3F3F"/>
+                </a:solidFill>
+                <a:latin typeface="나눔고딕" charset="0"/>
+                <a:ea typeface="나눔고딕" charset="0"/>
+              </a:rPr>
+              <a:t>회원가입</a:t>
+            </a:r>
+            <a:endParaRPr lang="ko-KR" altLang="en-US" sz="1200" b="1">
+              <a:solidFill>
+                <a:srgbClr val="3F3F3F"/>
+              </a:solidFill>
+              <a:latin typeface="나눔고딕" charset="0"/>
+              <a:ea typeface="나눔고딕" charset="0"/>
+            </a:endParaRPr>
           </a:p>
         </p:txBody>
       </p:sp>
@@ -6076,8 +6061,8 @@
         </p:nvSpPr>
         <p:spPr>
           <a:xfrm>
-            <a:off x="8409214" y="6567487"/>
-            <a:ext cx="1350508" cy="322200"/>
+            <a:off x="8409305" y="6567170"/>
+            <a:ext cx="1350645" cy="321945"/>
           </a:xfrm>
           <a:prstGeom prst="rect">
             <a:avLst/>
@@ -6114,8 +6099,8 @@
         </p:nvSpPr>
         <p:spPr>
           <a:xfrm>
-            <a:off x="6892358" y="3150559"/>
-            <a:ext cx="1870982" cy="420171"/>
+            <a:off x="6892290" y="3150870"/>
+            <a:ext cx="1870710" cy="420370"/>
           </a:xfrm>
           <a:prstGeom prst="rect">
             <a:avLst/>
@@ -6175,8 +6160,8 @@
         </p:nvSpPr>
         <p:spPr>
           <a:xfrm>
-            <a:off x="4671876" y="3150559"/>
-            <a:ext cx="1870982" cy="420171"/>
+            <a:off x="4671695" y="3150870"/>
+            <a:ext cx="1870710" cy="420370"/>
           </a:xfrm>
           <a:prstGeom prst="rect">
             <a:avLst/>
@@ -6272,8 +6257,8 @@
         </p:nvSpPr>
         <p:spPr>
           <a:xfrm>
-            <a:off x="2433501" y="3150559"/>
-            <a:ext cx="1870982" cy="420171"/>
+            <a:off x="2433320" y="3150870"/>
+            <a:ext cx="1870710" cy="420370"/>
           </a:xfrm>
           <a:prstGeom prst="rect">
             <a:avLst/>
@@ -6369,8 +6354,8 @@
         </p:nvSpPr>
         <p:spPr>
           <a:xfrm>
-            <a:off x="6853237" y="5661077"/>
-            <a:ext cx="1870982" cy="420171"/>
+            <a:off x="6852920" y="5661025"/>
+            <a:ext cx="1870710" cy="420370"/>
           </a:xfrm>
           <a:prstGeom prst="rect">
             <a:avLst/>
@@ -6466,8 +6451,8 @@
         </p:nvSpPr>
         <p:spPr>
           <a:xfrm>
-            <a:off x="2433501" y="5661077"/>
-            <a:ext cx="1870982" cy="420171"/>
+            <a:off x="2433320" y="5661025"/>
+            <a:ext cx="1870710" cy="420370"/>
           </a:xfrm>
           <a:prstGeom prst="rect">
             <a:avLst/>
@@ -6523,8 +6508,8 @@
         </p:nvSpPr>
         <p:spPr>
           <a:xfrm>
-            <a:off x="4671876" y="5661077"/>
-            <a:ext cx="1870982" cy="420171"/>
+            <a:off x="4671695" y="5661025"/>
+            <a:ext cx="1870710" cy="420370"/>
           </a:xfrm>
           <a:prstGeom prst="rect">
             <a:avLst/>
@@ -6580,8 +6565,8 @@
         </p:nvSpPr>
         <p:spPr>
           <a:xfrm>
-            <a:off x="8296275" y="810450"/>
-            <a:ext cx="1628775" cy="303150"/>
+            <a:off x="8296275" y="810260"/>
+            <a:ext cx="1628775" cy="302895"/>
           </a:xfrm>
           <a:prstGeom prst="rect">
             <a:avLst/>
@@ -6615,11 +6600,26 @@
   <p:clrMapOvr>
     <a:masterClrMapping/>
   </p:clrMapOvr>
+  <mc:AlternateContent xmlns:mc="http://schemas.openxmlformats.org/markup-compatibility/2006">
+    <mc:Choice xmlns:p14="http://schemas.microsoft.com/office/powerpoint/2010/main" Requires="p14">
+      <p:transition spd="slow" p14:dur="2000"/>
+    </mc:Choice>
+    <mc:Fallback>
+      <p:transition spd="slow"/>
+    </mc:Fallback>
+  </mc:AlternateContent>
+  <p:timing>
+    <p:tnLst>
+      <p:par>
+        <p:cTn id="1" dur="indefinite" restart="never" nodeType="tmRoot"/>
+      </p:par>
+    </p:tnLst>
+  </p:timing>
 </p:sld>
 </file>
 
 <file path=ppt/slides/slide4.xml><?xml version="1.0" encoding="utf-8"?>
-<p:sld xmlns:a="http://schemas.openxmlformats.org/drawingml/2006/main" xmlns:r="http://schemas.openxmlformats.org/officeDocument/2006/relationships" xmlns:p="http://schemas.openxmlformats.org/presentationml/2006/main">
+<p:sld xmlns:a="http://schemas.openxmlformats.org/drawingml/2006/main" xmlns:r="http://schemas.openxmlformats.org/officeDocument/2006/relationships" xmlns:p="http://schemas.openxmlformats.org/presentationml/2006/main" xmlns:p14="http://schemas.microsoft.com/office/powerpoint/2010/main">
   <p:cSld>
     <p:spTree>
       <p:nvGrpSpPr>
@@ -6643,8 +6643,8 @@
         </p:nvSpPr>
         <p:spPr>
           <a:xfrm>
-            <a:off x="1" y="6495029"/>
-            <a:ext cx="9144000" cy="415357"/>
+            <a:off x="0" y="6494780"/>
+            <a:ext cx="9144000" cy="415290"/>
           </a:xfrm>
           <a:prstGeom prst="rect">
             <a:avLst/>
@@ -6678,8 +6678,8 @@
         </p:nvSpPr>
         <p:spPr>
           <a:xfrm>
-            <a:off x="1" y="-25997"/>
-            <a:ext cx="9144000" cy="389555"/>
+            <a:off x="0" y="-26035"/>
+            <a:ext cx="9144000" cy="389255"/>
           </a:xfrm>
           <a:prstGeom prst="rect">
             <a:avLst/>
@@ -6707,50 +6707,95 @@
       <p:sp>
         <p:nvSpPr>
           <p:cNvPr id="5" name="nppt_1576555064455772"/>
-          <p:cNvSpPr>
-            <a:spLocks noGrp="1"/>
+          <p:cNvSpPr txBox="1">
+            <a:spLocks/>
           </p:cNvSpPr>
           <p:nvPr>
             <p:ph type="title"/>
           </p:nvPr>
         </p:nvSpPr>
         <p:spPr>
-          <a:xfrm>
-            <a:off x="854868" y="178789"/>
-            <a:ext cx="8229600" cy="1143000"/>
+          <a:xfrm rot="0">
+            <a:off x="803275" y="161925"/>
+            <a:ext cx="8230235" cy="1143635"/>
           </a:xfrm>
-          <a:prstGeom prst="rect">
-            <a:avLst/>
-          </a:prstGeom>
+          <a:prstGeom prst="rect"/>
         </p:spPr>
         <p:txBody>
-          <a:bodyPr lIns="91440" tIns="45720" rIns="91440" bIns="45720" anchor="ctr"/>
+          <a:bodyPr wrap="square" lIns="91440" tIns="45720" rIns="91440" bIns="45720" numCol="1" vert="horz" anchor="ctr">
+            <a:noAutofit/>
+          </a:bodyPr>
           <a:lstStyle>
-            <a:lvl1pPr>
-              <a:defRPr sz="2800"/>
+            <a:lvl1pPr marL="0" indent="0" defTabSz="508000">
+              <a:lnSpc>
+                <a:spcPct val="100000"/>
+              </a:lnSpc>
+              <a:spcBef>
+                <a:spcPts val="0"/>
+              </a:spcBef>
+              <a:spcAft>
+                <a:spcPts val="0"/>
+              </a:spcAft>
+              <a:buFontTx/>
+              <a:buNone/>
+              <a:defRPr lang="en-GB" altLang="en-US" sz="2800"/>
             </a:lvl1pPr>
           </a:lstStyle>
           <a:p>
-            <a:pPr marL="0" algn="ctr" defTabSz="914400" latinLnBrk="1">
+            <a:pPr marL="0" indent="0" algn="ctr" defTabSz="914400" latinLnBrk="1">
               <a:lnSpc>
                 <a:spcPct val="100000"/>
               </a:lnSpc>
               <a:spcBef>
-                <a:spcPct val="0"/>
+                <a:spcPts val="0"/>
               </a:spcBef>
-              <a:buNone/>
-            </a:pPr>
-            <a:r>
-              <a:rPr lang="ko-KR" altLang="en-US" sz="2800" b="1" kern="1200">
+              <a:spcAft>
+                <a:spcPts val="0"/>
+              </a:spcAft>
+              <a:buFontTx/>
+              <a:buNone/>
+            </a:pPr>
+            <a:r>
+              <a:rPr lang="ko-KR" altLang="en-US" sz="2800" b="1">
                 <a:solidFill>
                   <a:srgbClr val="1C314E"/>
                 </a:solidFill>
-                <a:latin typeface="+mj-lt"/>
-                <a:ea typeface="+mj-ea"/>
+                <a:latin typeface="나눔고딕" charset="0"/>
+                <a:ea typeface="나눔고딕" charset="0"/>
                 <a:cs typeface="+mj-cs"/>
               </a:rPr>
-              <a:t>추천 아이템</a:t>
-            </a:r>
+              <a:t>추천</a:t>
+            </a:r>
+            <a:r>
+              <a:rPr lang="ko-KR" altLang="en-US" sz="2800" b="1">
+                <a:solidFill>
+                  <a:srgbClr val="1C314E"/>
+                </a:solidFill>
+                <a:latin typeface="나눔고딕" charset="0"/>
+                <a:ea typeface="나눔고딕" charset="0"/>
+                <a:cs typeface="+mj-cs"/>
+              </a:rPr>
+              <a:t> </a:t>
+            </a:r>
+            <a:r>
+              <a:rPr lang="ko-KR" altLang="en-US" sz="2800" b="1">
+                <a:solidFill>
+                  <a:srgbClr val="1C314E"/>
+                </a:solidFill>
+                <a:latin typeface="나눔고딕" charset="0"/>
+                <a:ea typeface="나눔고딕" charset="0"/>
+                <a:cs typeface="+mj-cs"/>
+              </a:rPr>
+              <a:t>아이템</a:t>
+            </a:r>
+            <a:endParaRPr lang="ko-KR" altLang="en-US" sz="2800" b="1">
+              <a:solidFill>
+                <a:srgbClr val="1C314E"/>
+              </a:solidFill>
+              <a:latin typeface="나눔고딕" charset="0"/>
+              <a:ea typeface="나눔고딕" charset="0"/>
+              <a:cs typeface="+mj-cs"/>
+            </a:endParaRPr>
           </a:p>
         </p:txBody>
       </p:sp>
@@ -6766,26 +6811,31 @@
         </p:nvSpPr>
         <p:spPr>
           <a:xfrm>
-            <a:off x="436789" y="1140958"/>
-            <a:ext cx="2234292" cy="5005614"/>
+            <a:off x="436880" y="1141095"/>
+            <a:ext cx="2235200" cy="5006340"/>
           </a:xfrm>
           <a:prstGeom prst="rect">
             <a:avLst/>
           </a:prstGeom>
         </p:spPr>
         <p:txBody>
-          <a:bodyPr lIns="91440" tIns="45720" rIns="91440" bIns="45720"/>
+          <a:bodyPr wrap="square" lIns="91440" tIns="45720" rIns="91440" bIns="45720" numCol="1" vert="horz" anchor="t">
+            <a:noAutofit/>
+          </a:bodyPr>
           <a:lstStyle>
-            <a:lvl1pPr marL="334800" indent="-334800">
+            <a:lvl1pPr marL="334645" indent="-334645" defTabSz="508000">
               <a:lnSpc>
                 <a:spcPct val="175000"/>
               </a:lnSpc>
               <a:spcBef>
                 <a:spcPts val="0"/>
               </a:spcBef>
-              <a:buFont typeface="+mj-lt" pitchFamily="2" charset="2"/>
-              <a:buAutoNum type="arabicPeriod"/>
-              <a:defRPr sz="1600" b="1">
+              <a:spcAft>
+                <a:spcPts val="0"/>
+              </a:spcAft>
+              <a:buFontTx/>
+              <a:buNone/>
+              <a:defRPr lang="en-GB" altLang="en-US" sz="1600" b="1">
                 <a:solidFill>
                   <a:schemeClr val="tx1">
                     <a:lumMod val="75000"/>
@@ -6794,15 +6844,19 @@
                 </a:solidFill>
               </a:defRPr>
             </a:lvl1pPr>
-            <a:lvl2pPr marL="334800" indent="-334800">
+            <a:lvl2pPr marL="334645" indent="-334645" defTabSz="508000">
               <a:lnSpc>
                 <a:spcPct val="175000"/>
               </a:lnSpc>
               <a:spcBef>
                 <a:spcPts val="0"/>
               </a:spcBef>
-              <a:buNone/>
-              <a:defRPr sz="1200" b="1">
+              <a:spcAft>
+                <a:spcPts val="0"/>
+              </a:spcAft>
+              <a:buFontTx/>
+              <a:buNone/>
+              <a:defRPr lang="en-GB" altLang="en-US" sz="1200" b="1">
                 <a:solidFill>
                   <a:schemeClr val="tx1">
                     <a:lumMod val="75000"/>
@@ -6811,15 +6865,19 @@
                 </a:solidFill>
               </a:defRPr>
             </a:lvl2pPr>
-            <a:lvl3pPr marL="334800" indent="-334800">
+            <a:lvl3pPr marL="334645" indent="-334645" defTabSz="508000">
               <a:lnSpc>
                 <a:spcPct val="175000"/>
               </a:lnSpc>
               <a:spcBef>
                 <a:spcPts val="0"/>
               </a:spcBef>
-              <a:buNone/>
-              <a:defRPr sz="1200" b="1">
+              <a:spcAft>
+                <a:spcPts val="0"/>
+              </a:spcAft>
+              <a:buFontTx/>
+              <a:buNone/>
+              <a:defRPr lang="en-GB" altLang="en-US" sz="1200" b="1">
                 <a:solidFill>
                   <a:schemeClr val="tx1">
                     <a:lumMod val="75000"/>
@@ -6828,15 +6886,19 @@
                 </a:solidFill>
               </a:defRPr>
             </a:lvl3pPr>
-            <a:lvl4pPr marL="334800" indent="-334800">
+            <a:lvl4pPr marL="334645" indent="-334645" defTabSz="508000">
               <a:lnSpc>
                 <a:spcPct val="175000"/>
               </a:lnSpc>
               <a:spcBef>
                 <a:spcPts val="0"/>
               </a:spcBef>
-              <a:buNone/>
-              <a:defRPr sz="1200" b="1">
+              <a:spcAft>
+                <a:spcPts val="0"/>
+              </a:spcAft>
+              <a:buFontTx/>
+              <a:buNone/>
+              <a:defRPr lang="en-GB" altLang="en-US" sz="1200" b="1">
                 <a:solidFill>
                   <a:schemeClr val="tx1">
                     <a:lumMod val="75000"/>
@@ -6845,15 +6907,19 @@
                 </a:solidFill>
               </a:defRPr>
             </a:lvl4pPr>
-            <a:lvl5pPr marL="334800" indent="-334800">
+            <a:lvl5pPr marL="334645" indent="-334645" defTabSz="508000">
               <a:lnSpc>
                 <a:spcPct val="175000"/>
               </a:lnSpc>
               <a:spcBef>
                 <a:spcPts val="0"/>
               </a:spcBef>
-              <a:buNone/>
-              <a:defRPr sz="1200" b="1">
+              <a:spcAft>
+                <a:spcPts val="0"/>
+              </a:spcAft>
+              <a:buFontTx/>
+              <a:buNone/>
+              <a:defRPr lang="en-GB" altLang="en-US" sz="1200" b="1">
                 <a:solidFill>
                   <a:schemeClr val="tx1">
                     <a:lumMod val="75000"/>
@@ -6864,300 +6930,1017 @@
             </a:lvl5pPr>
           </a:lstStyle>
           <a:p>
-            <a:pPr marL="336550" indent="-336550" algn="l">
-              <a:lnSpc>
-                <a:spcPct val="175000"/>
-              </a:lnSpc>
+            <a:pPr marL="336550" indent="-336550" algn="l" defTabSz="914400" latinLnBrk="1">
+              <a:lnSpc>
+                <a:spcPct val="175000"/>
+              </a:lnSpc>
+              <a:spcBef>
+                <a:spcPts val="0"/>
+              </a:spcBef>
+              <a:spcAft>
+                <a:spcPts val="0"/>
+              </a:spcAft>
+              <a:buFontTx/>
               <a:buNone/>
             </a:pPr>
             <a:r>
               <a:rPr lang="ko-KR" altLang="ko-KR" sz="1600" b="1">
                 <a:solidFill>
                   <a:schemeClr val="tx1">
-                    <a:alpha val="100000"/>
-                    <a:lumMod val="75000"/>
-                    <a:lumOff val="25000"/>
-                  </a:schemeClr>
-                </a:solidFill>
-                <a:ea typeface="+mn-cs"/>
-              </a:rPr>
-              <a:t>    람쥐와 토순이</a:t>
-            </a:r>
-          </a:p>
-          <a:p>
-            <a:pPr marL="336550" indent="-336550" algn="l">
-              <a:lnSpc>
-                <a:spcPct val="175000"/>
-              </a:lnSpc>
-              <a:buNone/>
-            </a:pPr>
-            <a:endParaRPr lang="ko-KR" altLang="ko-KR" sz="1600" b="1">
+                    <a:lumMod val="75000"/>
+                    <a:lumOff val="25000"/>
+                  </a:schemeClr>
+                </a:solidFill>
+                <a:latin typeface="나눔고딕" charset="0"/>
+                <a:ea typeface="나눔고딕" charset="0"/>
+              </a:rPr>
+              <a:t> </a:t>
+            </a:r>
+            <a:r>
+              <a:rPr lang="ko-KR" altLang="ko-KR" sz="1600" b="1">
+                <a:solidFill>
+                  <a:schemeClr val="tx1">
+                    <a:lumMod val="75000"/>
+                    <a:lumOff val="25000"/>
+                  </a:schemeClr>
+                </a:solidFill>
+                <a:latin typeface="나눔고딕" charset="0"/>
+                <a:ea typeface="Arial" charset="0"/>
+                <a:cs typeface="+mn-cs"/>
+              </a:rPr>
+              <a:t> </a:t>
+            </a:r>
+            <a:r>
+              <a:rPr lang="ko-KR" altLang="ko-KR" sz="1600" b="1">
+                <a:solidFill>
+                  <a:schemeClr val="tx1">
+                    <a:lumMod val="75000"/>
+                    <a:lumOff val="25000"/>
+                  </a:schemeClr>
+                </a:solidFill>
+                <a:latin typeface="나눔고딕" charset="0"/>
+                <a:ea typeface="나눔고딕" charset="0"/>
+              </a:rPr>
+              <a:t> </a:t>
+            </a:r>
+            <a:r>
+              <a:rPr lang="ko-KR" altLang="ko-KR" sz="1600" b="1">
+                <a:solidFill>
+                  <a:schemeClr val="tx1">
+                    <a:lumMod val="75000"/>
+                    <a:lumOff val="25000"/>
+                  </a:schemeClr>
+                </a:solidFill>
+                <a:latin typeface="나눔고딕" charset="0"/>
+                <a:ea typeface="Arial" charset="0"/>
+                <a:cs typeface="+mn-cs"/>
+              </a:rPr>
+              <a:t> </a:t>
+            </a:r>
+            <a:r>
+              <a:rPr lang="ko-KR" altLang="ko-KR" sz="1600" b="1">
+                <a:solidFill>
+                  <a:schemeClr val="tx1">
+                    <a:lumMod val="75000"/>
+                    <a:lumOff val="25000"/>
+                  </a:schemeClr>
+                </a:solidFill>
+                <a:latin typeface="나눔고딕" charset="0"/>
+                <a:ea typeface="나눔고딕" charset="0"/>
+              </a:rPr>
+              <a:t>람쥐와</a:t>
+            </a:r>
+            <a:r>
+              <a:rPr lang="ko-KR" altLang="ko-KR" sz="1600" b="1">
+                <a:solidFill>
+                  <a:schemeClr val="tx1">
+                    <a:lumMod val="75000"/>
+                    <a:lumOff val="25000"/>
+                  </a:schemeClr>
+                </a:solidFill>
+                <a:latin typeface="나눔고딕" charset="0"/>
+                <a:ea typeface="Arial" charset="0"/>
+                <a:cs typeface="+mn-cs"/>
+              </a:rPr>
+              <a:t> </a:t>
+            </a:r>
+            <a:r>
+              <a:rPr lang="ko-KR" altLang="ko-KR" sz="1600" b="1">
+                <a:solidFill>
+                  <a:schemeClr val="tx1">
+                    <a:lumMod val="75000"/>
+                    <a:lumOff val="25000"/>
+                  </a:schemeClr>
+                </a:solidFill>
+                <a:latin typeface="나눔고딕" charset="0"/>
+                <a:ea typeface="나눔고딕" charset="0"/>
+              </a:rPr>
+              <a:t>토순이</a:t>
+            </a:r>
+            <a:endParaRPr lang="ko-KR" altLang="en-US" sz="1600" b="1">
               <a:solidFill>
                 <a:schemeClr val="tx1">
-                  <a:alpha val="100000"/>
                   <a:lumMod val="75000"/>
                   <a:lumOff val="25000"/>
                 </a:schemeClr>
               </a:solidFill>
-              <a:ea typeface="+mn-cs"/>
+              <a:latin typeface="나눔고딕" charset="0"/>
+              <a:ea typeface="나눔고딕" charset="0"/>
             </a:endParaRPr>
           </a:p>
           <a:p>
-            <a:pPr marL="336550" indent="-336550" algn="l">
-              <a:lnSpc>
-                <a:spcPct val="175000"/>
-              </a:lnSpc>
-              <a:buNone/>
-            </a:pPr>
-            <a:endParaRPr lang="ko-KR" altLang="ko-KR" sz="1600" b="1">
+            <a:pPr marL="336550" indent="-336550" algn="l" defTabSz="914400" latinLnBrk="1">
+              <a:lnSpc>
+                <a:spcPct val="175000"/>
+              </a:lnSpc>
+              <a:spcBef>
+                <a:spcPts val="0"/>
+              </a:spcBef>
+              <a:spcAft>
+                <a:spcPts val="0"/>
+              </a:spcAft>
+              <a:buFontTx/>
+              <a:buNone/>
+            </a:pPr>
+            <a:endParaRPr lang="ko-KR" altLang="en-US" sz="1600" b="1">
               <a:solidFill>
                 <a:schemeClr val="tx1">
-                  <a:alpha val="100000"/>
                   <a:lumMod val="75000"/>
                   <a:lumOff val="25000"/>
                 </a:schemeClr>
               </a:solidFill>
-              <a:ea typeface="+mn-cs"/>
+              <a:latin typeface="나눔고딕" charset="0"/>
+              <a:ea typeface="나눔고딕" charset="0"/>
             </a:endParaRPr>
           </a:p>
           <a:p>
-            <a:pPr marL="336550" indent="-336550" algn="l">
-              <a:lnSpc>
-                <a:spcPct val="175000"/>
-              </a:lnSpc>
-              <a:buNone/>
-            </a:pPr>
-            <a:endParaRPr lang="ko-KR" altLang="ko-KR" sz="1600" b="1">
+            <a:pPr marL="336550" indent="-336550" algn="l" defTabSz="914400" latinLnBrk="1">
+              <a:lnSpc>
+                <a:spcPct val="175000"/>
+              </a:lnSpc>
+              <a:spcBef>
+                <a:spcPts val="0"/>
+              </a:spcBef>
+              <a:spcAft>
+                <a:spcPts val="0"/>
+              </a:spcAft>
+              <a:buFontTx/>
+              <a:buNone/>
+            </a:pPr>
+            <a:endParaRPr lang="ko-KR" altLang="en-US" sz="1600" b="1">
               <a:solidFill>
                 <a:schemeClr val="tx1">
-                  <a:alpha val="100000"/>
                   <a:lumMod val="75000"/>
                   <a:lumOff val="25000"/>
                 </a:schemeClr>
               </a:solidFill>
-              <a:ea typeface="+mn-cs"/>
+              <a:latin typeface="나눔고딕" charset="0"/>
+              <a:ea typeface="나눔고딕" charset="0"/>
             </a:endParaRPr>
           </a:p>
           <a:p>
-            <a:pPr marL="336550" indent="-336550" algn="l">
-              <a:lnSpc>
-                <a:spcPct val="175000"/>
-              </a:lnSpc>
-              <a:buNone/>
-            </a:pPr>
-            <a:endParaRPr lang="ko-KR" altLang="ko-KR" sz="1600" b="1">
+            <a:pPr marL="336550" indent="-336550" algn="l" defTabSz="914400" latinLnBrk="1">
+              <a:lnSpc>
+                <a:spcPct val="175000"/>
+              </a:lnSpc>
+              <a:spcBef>
+                <a:spcPts val="0"/>
+              </a:spcBef>
+              <a:spcAft>
+                <a:spcPts val="0"/>
+              </a:spcAft>
+              <a:buFontTx/>
+              <a:buNone/>
+            </a:pPr>
+            <a:endParaRPr lang="ko-KR" altLang="en-US" sz="1600" b="1">
               <a:solidFill>
                 <a:schemeClr val="tx1">
-                  <a:alpha val="100000"/>
                   <a:lumMod val="75000"/>
                   <a:lumOff val="25000"/>
                 </a:schemeClr>
               </a:solidFill>
-              <a:ea typeface="+mn-cs"/>
+              <a:latin typeface="나눔고딕" charset="0"/>
+              <a:ea typeface="나눔고딕" charset="0"/>
             </a:endParaRPr>
           </a:p>
           <a:p>
-            <a:pPr marL="336550" indent="-336550" algn="l">
-              <a:lnSpc>
-                <a:spcPct val="175000"/>
-              </a:lnSpc>
-              <a:buNone/>
-            </a:pPr>
-            <a:r>
-              <a:rPr lang="ko-KR" altLang="ko-KR" sz="1500" b="1">
-                <a:solidFill>
-                  <a:srgbClr val="3F3F3F"/>
-                </a:solidFill>
-                <a:ea typeface="+mn-cs"/>
-              </a:rPr>
-              <a:t>추천 아이템</a:t>
-            </a:r>
-          </a:p>
-          <a:p>
-            <a:pPr marL="336550" indent="-336550" algn="l">
-              <a:lnSpc>
-                <a:spcPct val="175000"/>
-              </a:lnSpc>
-              <a:buNone/>
-            </a:pPr>
-            <a:r>
-              <a:rPr lang="ko-KR" altLang="ko-KR" sz="1600" b="1">
-                <a:solidFill>
-                  <a:schemeClr val="tx1">
-                    <a:alpha val="100000"/>
-                    <a:lumMod val="75000"/>
-                    <a:lumOff val="25000"/>
-                  </a:schemeClr>
-                </a:solidFill>
-                <a:ea typeface="+mn-cs"/>
-              </a:rPr>
-              <a:t>        Todo List</a:t>
-            </a:r>
-          </a:p>
-          <a:p>
-            <a:pPr marL="336550" indent="-336550" algn="l">
-              <a:lnSpc>
-                <a:spcPct val="175000"/>
-              </a:lnSpc>
-              <a:buNone/>
-            </a:pPr>
-            <a:r>
-              <a:rPr lang="ko-KR" altLang="ko-KR" sz="1400" b="1">
-                <a:solidFill>
-                  <a:schemeClr val="tx1">
-                    <a:alpha val="100000"/>
-                    <a:lumMod val="75000"/>
-                    <a:lumOff val="25000"/>
-                  </a:schemeClr>
-                </a:solidFill>
-                <a:ea typeface="+mn-cs"/>
-              </a:rPr>
-              <a:t>- 고양이 사료 구입하기</a:t>
-            </a:r>
-          </a:p>
-          <a:p>
-            <a:pPr marL="336550" indent="-336550" algn="l">
-              <a:lnSpc>
-                <a:spcPct val="175000"/>
-              </a:lnSpc>
-              <a:buNone/>
-            </a:pPr>
-            <a:r>
-              <a:rPr lang="ko-KR" altLang="ko-KR" sz="1400" b="1">
-                <a:solidFill>
-                  <a:schemeClr val="tx1">
-                    <a:alpha val="100000"/>
-                    <a:lumMod val="75000"/>
-                    <a:lumOff val="25000"/>
-                  </a:schemeClr>
-                </a:solidFill>
-                <a:ea typeface="+mn-cs"/>
-              </a:rPr>
-              <a:t>- 집 가서 모래 갈기</a:t>
-            </a:r>
-          </a:p>
-          <a:p>
-            <a:pPr marL="336550" indent="-336550" algn="l">
-              <a:lnSpc>
-                <a:spcPct val="175000"/>
-              </a:lnSpc>
-              <a:buNone/>
-            </a:pPr>
-            <a:r>
-              <a:rPr lang="ko-KR" altLang="ko-KR" sz="1400" b="1">
-                <a:solidFill>
-                  <a:schemeClr val="tx1">
-                    <a:alpha val="100000"/>
-                    <a:lumMod val="75000"/>
-                    <a:lumOff val="25000"/>
-                  </a:schemeClr>
-                </a:solidFill>
-                <a:ea typeface="+mn-cs"/>
-              </a:rPr>
-              <a:t>- 업무 어쩌구</a:t>
-            </a:r>
-          </a:p>
-          <a:p>
-            <a:pPr marL="336550" indent="-336550" algn="l">
-              <a:lnSpc>
-                <a:spcPct val="175000"/>
-              </a:lnSpc>
-              <a:buNone/>
-            </a:pPr>
-            <a:r>
-              <a:rPr lang="ko-KR" altLang="ko-KR" sz="1400" b="1">
-                <a:solidFill>
-                  <a:schemeClr val="tx1">
-                    <a:alpha val="100000"/>
-                    <a:lumMod val="75000"/>
-                    <a:lumOff val="25000"/>
-                  </a:schemeClr>
-                </a:solidFill>
-                <a:ea typeface="+mn-cs"/>
-              </a:rPr>
-              <a:t>- 저쩌구</a:t>
-            </a:r>
-          </a:p>
-          <a:p>
-            <a:pPr marL="336550" indent="-336550" algn="l">
-              <a:lnSpc>
-                <a:spcPct val="175000"/>
-              </a:lnSpc>
-              <a:buNone/>
-            </a:pPr>
-            <a:r>
-              <a:rPr lang="ko-KR" altLang="ko-KR" sz="1400" b="1">
-                <a:solidFill>
-                  <a:schemeClr val="tx1">
-                    <a:alpha val="100000"/>
-                    <a:lumMod val="75000"/>
-                    <a:lumOff val="25000"/>
-                  </a:schemeClr>
-                </a:solidFill>
-                <a:ea typeface="+mn-cs"/>
-              </a:rPr>
-              <a:t>- 기타등등</a:t>
-            </a:r>
-          </a:p>
-          <a:p>
-            <a:pPr marL="336550" indent="-336550" algn="l">
-              <a:lnSpc>
-                <a:spcPct val="175000"/>
-              </a:lnSpc>
-              <a:buNone/>
-            </a:pPr>
-            <a:endParaRPr lang="ko-KR" altLang="ko-KR" sz="1400" b="1">
+            <a:pPr marL="336550" indent="-336550" algn="l" defTabSz="914400" latinLnBrk="1">
+              <a:lnSpc>
+                <a:spcPct val="175000"/>
+              </a:lnSpc>
+              <a:spcBef>
+                <a:spcPts val="0"/>
+              </a:spcBef>
+              <a:spcAft>
+                <a:spcPts val="0"/>
+              </a:spcAft>
+              <a:buFontTx/>
+              <a:buNone/>
+            </a:pPr>
+            <a:endParaRPr lang="ko-KR" altLang="en-US" sz="1600" b="1">
               <a:solidFill>
                 <a:schemeClr val="tx1">
-                  <a:alpha val="100000"/>
                   <a:lumMod val="75000"/>
                   <a:lumOff val="25000"/>
                 </a:schemeClr>
               </a:solidFill>
-              <a:ea typeface="+mn-cs"/>
+              <a:latin typeface="나눔고딕" charset="0"/>
+              <a:ea typeface="나눔고딕" charset="0"/>
             </a:endParaRPr>
           </a:p>
           <a:p>
-            <a:pPr marL="336550" indent="-336550" algn="l">
-              <a:lnSpc>
-                <a:spcPct val="175000"/>
-              </a:lnSpc>
-              <a:buNone/>
-            </a:pPr>
-            <a:endParaRPr lang="ko-KR" altLang="ko-KR" sz="1400" b="1">
+            <a:pPr marL="336550" indent="-336550" algn="l" defTabSz="914400" latinLnBrk="1">
+              <a:lnSpc>
+                <a:spcPct val="175000"/>
+              </a:lnSpc>
+              <a:spcBef>
+                <a:spcPts val="0"/>
+              </a:spcBef>
+              <a:spcAft>
+                <a:spcPts val="0"/>
+              </a:spcAft>
+              <a:buFontTx/>
+              <a:buNone/>
+            </a:pPr>
+            <a:r>
+              <a:rPr lang="ko-KR" altLang="ko-KR" sz="1500" b="1">
+                <a:solidFill>
+                  <a:srgbClr val="3F3F3F"/>
+                </a:solidFill>
+                <a:latin typeface="나눔고딕" charset="0"/>
+                <a:ea typeface="나눔고딕" charset="0"/>
+              </a:rPr>
+              <a:t>추천</a:t>
+            </a:r>
+            <a:r>
+              <a:rPr lang="ko-KR" altLang="ko-KR" sz="1500" b="1">
+                <a:solidFill>
+                  <a:srgbClr val="3F3F3F"/>
+                </a:solidFill>
+                <a:latin typeface="나눔고딕" charset="0"/>
+                <a:ea typeface="Arial" charset="0"/>
+                <a:cs typeface="+mn-cs"/>
+              </a:rPr>
+              <a:t> </a:t>
+            </a:r>
+            <a:r>
+              <a:rPr lang="ko-KR" altLang="ko-KR" sz="1500" b="1">
+                <a:solidFill>
+                  <a:srgbClr val="3F3F3F"/>
+                </a:solidFill>
+                <a:latin typeface="나눔고딕" charset="0"/>
+                <a:ea typeface="나눔고딕" charset="0"/>
+              </a:rPr>
+              <a:t>아이템</a:t>
+            </a:r>
+            <a:endParaRPr lang="ko-KR" altLang="en-US" sz="1500" b="1">
+              <a:solidFill>
+                <a:srgbClr val="3F3F3F"/>
+              </a:solidFill>
+              <a:latin typeface="나눔고딕" charset="0"/>
+              <a:ea typeface="나눔고딕" charset="0"/>
+            </a:endParaRPr>
+          </a:p>
+          <a:p>
+            <a:pPr marL="336550" indent="-336550" algn="l" defTabSz="914400" latinLnBrk="1">
+              <a:lnSpc>
+                <a:spcPct val="175000"/>
+              </a:lnSpc>
+              <a:spcBef>
+                <a:spcPts val="0"/>
+              </a:spcBef>
+              <a:spcAft>
+                <a:spcPts val="0"/>
+              </a:spcAft>
+              <a:buFontTx/>
+              <a:buNone/>
+            </a:pPr>
+            <a:r>
+              <a:rPr sz="1600" b="1">
+                <a:solidFill>
+                  <a:schemeClr val="tx1">
+                    <a:lumMod val="75000"/>
+                    <a:lumOff val="25000"/>
+                  </a:schemeClr>
+                </a:solidFill>
+                <a:latin typeface="나눔고딕" charset="0"/>
+                <a:ea typeface="나눔고딕" charset="0"/>
+              </a:rPr>
+              <a:t> </a:t>
+            </a:r>
+            <a:r>
+              <a:rPr sz="1600" b="1">
+                <a:solidFill>
+                  <a:schemeClr val="tx1">
+                    <a:lumMod val="75000"/>
+                    <a:lumOff val="25000"/>
+                  </a:schemeClr>
+                </a:solidFill>
+                <a:latin typeface="나눔고딕" charset="0"/>
+                <a:ea typeface="Arial" charset="0"/>
+                <a:cs typeface="+mn-cs"/>
+              </a:rPr>
+              <a:t> </a:t>
+            </a:r>
+            <a:r>
+              <a:rPr sz="1600" b="1">
+                <a:solidFill>
+                  <a:schemeClr val="tx1">
+                    <a:lumMod val="75000"/>
+                    <a:lumOff val="25000"/>
+                  </a:schemeClr>
+                </a:solidFill>
+                <a:latin typeface="나눔고딕" charset="0"/>
+                <a:ea typeface="나눔고딕" charset="0"/>
+              </a:rPr>
+              <a:t> </a:t>
+            </a:r>
+            <a:r>
+              <a:rPr sz="1600" b="1">
+                <a:solidFill>
+                  <a:schemeClr val="tx1">
+                    <a:lumMod val="75000"/>
+                    <a:lumOff val="25000"/>
+                  </a:schemeClr>
+                </a:solidFill>
+                <a:latin typeface="나눔고딕" charset="0"/>
+                <a:ea typeface="Arial" charset="0"/>
+                <a:cs typeface="+mn-cs"/>
+              </a:rPr>
+              <a:t> </a:t>
+            </a:r>
+            <a:r>
+              <a:rPr sz="1600" b="1">
+                <a:solidFill>
+                  <a:schemeClr val="tx1">
+                    <a:lumMod val="75000"/>
+                    <a:lumOff val="25000"/>
+                  </a:schemeClr>
+                </a:solidFill>
+                <a:latin typeface="나눔고딕" charset="0"/>
+                <a:ea typeface="나눔고딕" charset="0"/>
+              </a:rPr>
+              <a:t> </a:t>
+            </a:r>
+            <a:r>
+              <a:rPr sz="1600" b="1">
+                <a:solidFill>
+                  <a:schemeClr val="tx1">
+                    <a:lumMod val="75000"/>
+                    <a:lumOff val="25000"/>
+                  </a:schemeClr>
+                </a:solidFill>
+                <a:latin typeface="나눔고딕" charset="0"/>
+                <a:ea typeface="Arial" charset="0"/>
+                <a:cs typeface="+mn-cs"/>
+              </a:rPr>
+              <a:t> </a:t>
+            </a:r>
+            <a:r>
+              <a:rPr sz="1600" b="1">
+                <a:solidFill>
+                  <a:schemeClr val="tx1">
+                    <a:lumMod val="75000"/>
+                    <a:lumOff val="25000"/>
+                  </a:schemeClr>
+                </a:solidFill>
+                <a:latin typeface="나눔고딕" charset="0"/>
+                <a:ea typeface="나눔고딕" charset="0"/>
+              </a:rPr>
+              <a:t> </a:t>
+            </a:r>
+            <a:r>
+              <a:rPr sz="1600" b="1">
+                <a:solidFill>
+                  <a:schemeClr val="tx1">
+                    <a:lumMod val="75000"/>
+                    <a:lumOff val="25000"/>
+                  </a:schemeClr>
+                </a:solidFill>
+                <a:latin typeface="나눔고딕" charset="0"/>
+                <a:ea typeface="Arial" charset="0"/>
+                <a:cs typeface="+mn-cs"/>
+              </a:rPr>
+              <a:t> </a:t>
+            </a:r>
+            <a:r>
+              <a:rPr sz="1600" b="1">
+                <a:solidFill>
+                  <a:schemeClr val="tx1">
+                    <a:lumMod val="75000"/>
+                    <a:lumOff val="25000"/>
+                  </a:schemeClr>
+                </a:solidFill>
+                <a:latin typeface="나눔고딕" charset="0"/>
+                <a:ea typeface="나눔고딕" charset="0"/>
+              </a:rPr>
+              <a:t>Todo</a:t>
+            </a:r>
+            <a:r>
+              <a:rPr sz="1600" b="1">
+                <a:solidFill>
+                  <a:schemeClr val="tx1">
+                    <a:lumMod val="75000"/>
+                    <a:lumOff val="25000"/>
+                  </a:schemeClr>
+                </a:solidFill>
+                <a:latin typeface="나눔고딕" charset="0"/>
+                <a:ea typeface="Arial" charset="0"/>
+                <a:cs typeface="+mn-cs"/>
+              </a:rPr>
+              <a:t> </a:t>
+            </a:r>
+            <a:r>
+              <a:rPr sz="1600" b="1">
+                <a:solidFill>
+                  <a:schemeClr val="tx1">
+                    <a:lumMod val="75000"/>
+                    <a:lumOff val="25000"/>
+                  </a:schemeClr>
+                </a:solidFill>
+                <a:latin typeface="나눔고딕" charset="0"/>
+                <a:ea typeface="나눔고딕" charset="0"/>
+              </a:rPr>
+              <a:t>List</a:t>
+            </a:r>
+            <a:endParaRPr lang="ko-KR" altLang="en-US" sz="1600" b="1">
               <a:solidFill>
                 <a:schemeClr val="tx1">
-                  <a:alpha val="100000"/>
                   <a:lumMod val="75000"/>
                   <a:lumOff val="25000"/>
                 </a:schemeClr>
               </a:solidFill>
-              <a:ea typeface="+mn-cs"/>
+              <a:latin typeface="나눔고딕" charset="0"/>
+              <a:ea typeface="나눔고딕" charset="0"/>
             </a:endParaRPr>
           </a:p>
           <a:p>
-            <a:pPr marL="336550" indent="-336550" algn="l">
-              <a:lnSpc>
-                <a:spcPct val="175000"/>
-              </a:lnSpc>
-              <a:buNone/>
-            </a:pPr>
-            <a:endParaRPr lang="ko-KR" altLang="ko-KR" sz="1400" b="1">
+            <a:pPr marL="336550" indent="-336550" algn="l" defTabSz="914400" latinLnBrk="1">
+              <a:lnSpc>
+                <a:spcPct val="175000"/>
+              </a:lnSpc>
+              <a:spcBef>
+                <a:spcPts val="0"/>
+              </a:spcBef>
+              <a:spcAft>
+                <a:spcPts val="0"/>
+              </a:spcAft>
+              <a:buFontTx/>
+              <a:buNone/>
+            </a:pPr>
+            <a:r>
+              <a:rPr sz="1200" b="1">
+                <a:solidFill>
+                  <a:schemeClr val="tx1">
+                    <a:lumMod val="75000"/>
+                    <a:lumOff val="25000"/>
+                  </a:schemeClr>
+                </a:solidFill>
+                <a:latin typeface="나눔고딕" charset="0"/>
+                <a:ea typeface="나눔고딕" charset="0"/>
+              </a:rPr>
+              <a:t>-</a:t>
+            </a:r>
+            <a:r>
+              <a:rPr sz="1200" b="1">
+                <a:solidFill>
+                  <a:schemeClr val="tx1">
+                    <a:lumMod val="75000"/>
+                    <a:lumOff val="25000"/>
+                  </a:schemeClr>
+                </a:solidFill>
+                <a:latin typeface="나눔고딕" charset="0"/>
+                <a:ea typeface="Arial" charset="0"/>
+                <a:cs typeface="+mn-cs"/>
+              </a:rPr>
+              <a:t> </a:t>
+            </a:r>
+            <a:r>
+              <a:rPr sz="1200" b="1">
+                <a:solidFill>
+                  <a:schemeClr val="tx1">
+                    <a:lumMod val="75000"/>
+                    <a:lumOff val="25000"/>
+                  </a:schemeClr>
+                </a:solidFill>
+                <a:latin typeface="나눔고딕" charset="0"/>
+                <a:ea typeface="나눔고딕" charset="0"/>
+              </a:rPr>
+              <a:t>고양이</a:t>
+            </a:r>
+            <a:r>
+              <a:rPr sz="1200" b="1">
+                <a:solidFill>
+                  <a:schemeClr val="tx1">
+                    <a:lumMod val="75000"/>
+                    <a:lumOff val="25000"/>
+                  </a:schemeClr>
+                </a:solidFill>
+                <a:latin typeface="나눔고딕" charset="0"/>
+                <a:ea typeface="Arial" charset="0"/>
+                <a:cs typeface="+mn-cs"/>
+              </a:rPr>
+              <a:t> </a:t>
+            </a:r>
+            <a:r>
+              <a:rPr sz="1200" b="1">
+                <a:solidFill>
+                  <a:schemeClr val="tx1">
+                    <a:lumMod val="75000"/>
+                    <a:lumOff val="25000"/>
+                  </a:schemeClr>
+                </a:solidFill>
+                <a:latin typeface="나눔고딕" charset="0"/>
+                <a:ea typeface="나눔고딕" charset="0"/>
+              </a:rPr>
+              <a:t>사료</a:t>
+            </a:r>
+            <a:r>
+              <a:rPr sz="1200" b="1">
+                <a:solidFill>
+                  <a:schemeClr val="tx1">
+                    <a:lumMod val="75000"/>
+                    <a:lumOff val="25000"/>
+                  </a:schemeClr>
+                </a:solidFill>
+                <a:latin typeface="나눔고딕" charset="0"/>
+                <a:ea typeface="Arial" charset="0"/>
+                <a:cs typeface="+mn-cs"/>
+              </a:rPr>
+              <a:t> </a:t>
+            </a:r>
+            <a:r>
+              <a:rPr sz="1200" b="1">
+                <a:solidFill>
+                  <a:schemeClr val="tx1">
+                    <a:lumMod val="75000"/>
+                    <a:lumOff val="25000"/>
+                  </a:schemeClr>
+                </a:solidFill>
+                <a:latin typeface="나눔고딕" charset="0"/>
+                <a:ea typeface="나눔고딕" charset="0"/>
+              </a:rPr>
+              <a:t>구입하기</a:t>
+            </a:r>
+            <a:endParaRPr lang="ko-KR" altLang="en-US" sz="1200" b="1">
               <a:solidFill>
                 <a:schemeClr val="tx1">
-                  <a:alpha val="100000"/>
                   <a:lumMod val="75000"/>
                   <a:lumOff val="25000"/>
                 </a:schemeClr>
               </a:solidFill>
-              <a:ea typeface="+mn-cs"/>
+              <a:latin typeface="나눔고딕" charset="0"/>
+              <a:ea typeface="나눔고딕" charset="0"/>
+            </a:endParaRPr>
+          </a:p>
+          <a:p>
+            <a:pPr marL="336550" indent="-336550" algn="l" defTabSz="914400" latinLnBrk="1">
+              <a:lnSpc>
+                <a:spcPct val="175000"/>
+              </a:lnSpc>
+              <a:spcBef>
+                <a:spcPts val="0"/>
+              </a:spcBef>
+              <a:spcAft>
+                <a:spcPts val="0"/>
+              </a:spcAft>
+              <a:buFontTx/>
+              <a:buNone/>
+            </a:pPr>
+            <a:r>
+              <a:rPr sz="1200" b="1">
+                <a:solidFill>
+                  <a:schemeClr val="tx1">
+                    <a:lumMod val="75000"/>
+                    <a:lumOff val="25000"/>
+                  </a:schemeClr>
+                </a:solidFill>
+                <a:latin typeface="나눔고딕" charset="0"/>
+                <a:ea typeface="나눔고딕" charset="0"/>
+              </a:rPr>
+              <a:t>-</a:t>
+            </a:r>
+            <a:r>
+              <a:rPr sz="1200" b="1">
+                <a:solidFill>
+                  <a:schemeClr val="tx1">
+                    <a:lumMod val="75000"/>
+                    <a:lumOff val="25000"/>
+                  </a:schemeClr>
+                </a:solidFill>
+                <a:latin typeface="나눔고딕" charset="0"/>
+                <a:ea typeface="Arial" charset="0"/>
+                <a:cs typeface="+mn-cs"/>
+              </a:rPr>
+              <a:t> </a:t>
+            </a:r>
+            <a:r>
+              <a:rPr sz="1200" b="1">
+                <a:solidFill>
+                  <a:schemeClr val="tx1">
+                    <a:lumMod val="75000"/>
+                    <a:lumOff val="25000"/>
+                  </a:schemeClr>
+                </a:solidFill>
+                <a:latin typeface="나눔고딕" charset="0"/>
+                <a:ea typeface="나눔고딕" charset="0"/>
+              </a:rPr>
+              <a:t>집</a:t>
+            </a:r>
+            <a:r>
+              <a:rPr sz="1200" b="1">
+                <a:solidFill>
+                  <a:schemeClr val="tx1">
+                    <a:lumMod val="75000"/>
+                    <a:lumOff val="25000"/>
+                  </a:schemeClr>
+                </a:solidFill>
+                <a:latin typeface="나눔고딕" charset="0"/>
+                <a:ea typeface="Arial" charset="0"/>
+                <a:cs typeface="+mn-cs"/>
+              </a:rPr>
+              <a:t> </a:t>
+            </a:r>
+            <a:r>
+              <a:rPr sz="1200" b="1">
+                <a:solidFill>
+                  <a:schemeClr val="tx1">
+                    <a:lumMod val="75000"/>
+                    <a:lumOff val="25000"/>
+                  </a:schemeClr>
+                </a:solidFill>
+                <a:latin typeface="나눔고딕" charset="0"/>
+                <a:ea typeface="나눔고딕" charset="0"/>
+              </a:rPr>
+              <a:t>가서</a:t>
+            </a:r>
+            <a:r>
+              <a:rPr sz="1200" b="1">
+                <a:solidFill>
+                  <a:schemeClr val="tx1">
+                    <a:lumMod val="75000"/>
+                    <a:lumOff val="25000"/>
+                  </a:schemeClr>
+                </a:solidFill>
+                <a:latin typeface="나눔고딕" charset="0"/>
+                <a:ea typeface="Arial" charset="0"/>
+                <a:cs typeface="+mn-cs"/>
+              </a:rPr>
+              <a:t> </a:t>
+            </a:r>
+            <a:r>
+              <a:rPr sz="1200" b="1">
+                <a:solidFill>
+                  <a:schemeClr val="tx1">
+                    <a:lumMod val="75000"/>
+                    <a:lumOff val="25000"/>
+                  </a:schemeClr>
+                </a:solidFill>
+                <a:latin typeface="나눔고딕" charset="0"/>
+                <a:ea typeface="나눔고딕" charset="0"/>
+              </a:rPr>
+              <a:t>모래</a:t>
+            </a:r>
+            <a:r>
+              <a:rPr sz="1200" b="1">
+                <a:solidFill>
+                  <a:schemeClr val="tx1">
+                    <a:lumMod val="75000"/>
+                    <a:lumOff val="25000"/>
+                  </a:schemeClr>
+                </a:solidFill>
+                <a:latin typeface="나눔고딕" charset="0"/>
+                <a:ea typeface="Arial" charset="0"/>
+                <a:cs typeface="+mn-cs"/>
+              </a:rPr>
+              <a:t> </a:t>
+            </a:r>
+            <a:r>
+              <a:rPr sz="1200" b="1">
+                <a:solidFill>
+                  <a:schemeClr val="tx1">
+                    <a:lumMod val="75000"/>
+                    <a:lumOff val="25000"/>
+                  </a:schemeClr>
+                </a:solidFill>
+                <a:latin typeface="나눔고딕" charset="0"/>
+                <a:ea typeface="나눔고딕" charset="0"/>
+              </a:rPr>
+              <a:t>갈기</a:t>
+            </a:r>
+            <a:endParaRPr lang="ko-KR" altLang="en-US" sz="1200" b="1">
+              <a:solidFill>
+                <a:schemeClr val="tx1">
+                  <a:lumMod val="75000"/>
+                  <a:lumOff val="25000"/>
+                </a:schemeClr>
+              </a:solidFill>
+              <a:latin typeface="나눔고딕" charset="0"/>
+              <a:ea typeface="나눔고딕" charset="0"/>
+            </a:endParaRPr>
+          </a:p>
+          <a:p>
+            <a:pPr marL="336550" indent="-336550" algn="l" defTabSz="914400" latinLnBrk="1">
+              <a:lnSpc>
+                <a:spcPct val="175000"/>
+              </a:lnSpc>
+              <a:spcBef>
+                <a:spcPts val="0"/>
+              </a:spcBef>
+              <a:spcAft>
+                <a:spcPts val="0"/>
+              </a:spcAft>
+              <a:buFontTx/>
+              <a:buNone/>
+            </a:pPr>
+            <a:r>
+              <a:rPr sz="1200" b="1">
+                <a:solidFill>
+                  <a:schemeClr val="tx1">
+                    <a:lumMod val="75000"/>
+                    <a:lumOff val="25000"/>
+                  </a:schemeClr>
+                </a:solidFill>
+                <a:latin typeface="나눔고딕" charset="0"/>
+                <a:ea typeface="나눔고딕" charset="0"/>
+              </a:rPr>
+              <a:t>-</a:t>
+            </a:r>
+            <a:r>
+              <a:rPr sz="1200" b="1">
+                <a:solidFill>
+                  <a:schemeClr val="tx1">
+                    <a:lumMod val="75000"/>
+                    <a:lumOff val="25000"/>
+                  </a:schemeClr>
+                </a:solidFill>
+                <a:latin typeface="나눔고딕" charset="0"/>
+                <a:ea typeface="Arial" charset="0"/>
+                <a:cs typeface="+mn-cs"/>
+              </a:rPr>
+              <a:t> </a:t>
+            </a:r>
+            <a:r>
+              <a:rPr sz="1200" b="1">
+                <a:solidFill>
+                  <a:schemeClr val="tx1">
+                    <a:lumMod val="75000"/>
+                    <a:lumOff val="25000"/>
+                  </a:schemeClr>
+                </a:solidFill>
+                <a:latin typeface="나눔고딕" charset="0"/>
+                <a:ea typeface="나눔고딕" charset="0"/>
+              </a:rPr>
+              <a:t>업무</a:t>
+            </a:r>
+            <a:r>
+              <a:rPr sz="1200" b="1">
+                <a:solidFill>
+                  <a:schemeClr val="tx1">
+                    <a:lumMod val="75000"/>
+                    <a:lumOff val="25000"/>
+                  </a:schemeClr>
+                </a:solidFill>
+                <a:latin typeface="나눔고딕" charset="0"/>
+                <a:ea typeface="Arial" charset="0"/>
+                <a:cs typeface="+mn-cs"/>
+              </a:rPr>
+              <a:t> </a:t>
+            </a:r>
+            <a:r>
+              <a:rPr sz="1200" b="1">
+                <a:solidFill>
+                  <a:schemeClr val="tx1">
+                    <a:lumMod val="75000"/>
+                    <a:lumOff val="25000"/>
+                  </a:schemeClr>
+                </a:solidFill>
+                <a:latin typeface="나눔고딕" charset="0"/>
+                <a:ea typeface="나눔고딕" charset="0"/>
+              </a:rPr>
+              <a:t>어쩌구</a:t>
+            </a:r>
+            <a:endParaRPr lang="ko-KR" altLang="en-US" sz="1200" b="1">
+              <a:solidFill>
+                <a:schemeClr val="tx1">
+                  <a:lumMod val="75000"/>
+                  <a:lumOff val="25000"/>
+                </a:schemeClr>
+              </a:solidFill>
+              <a:latin typeface="나눔고딕" charset="0"/>
+              <a:ea typeface="나눔고딕" charset="0"/>
+            </a:endParaRPr>
+          </a:p>
+          <a:p>
+            <a:pPr marL="336550" indent="-336550" algn="l" defTabSz="914400" latinLnBrk="1">
+              <a:lnSpc>
+                <a:spcPct val="175000"/>
+              </a:lnSpc>
+              <a:spcBef>
+                <a:spcPts val="0"/>
+              </a:spcBef>
+              <a:spcAft>
+                <a:spcPts val="0"/>
+              </a:spcAft>
+              <a:buFontTx/>
+              <a:buNone/>
+            </a:pPr>
+            <a:r>
+              <a:rPr sz="1200" b="1">
+                <a:solidFill>
+                  <a:schemeClr val="tx1">
+                    <a:lumMod val="75000"/>
+                    <a:lumOff val="25000"/>
+                  </a:schemeClr>
+                </a:solidFill>
+                <a:latin typeface="나눔고딕" charset="0"/>
+                <a:ea typeface="나눔고딕" charset="0"/>
+              </a:rPr>
+              <a:t>-</a:t>
+            </a:r>
+            <a:r>
+              <a:rPr sz="1200" b="1">
+                <a:solidFill>
+                  <a:schemeClr val="tx1">
+                    <a:lumMod val="75000"/>
+                    <a:lumOff val="25000"/>
+                  </a:schemeClr>
+                </a:solidFill>
+                <a:latin typeface="나눔고딕" charset="0"/>
+                <a:ea typeface="Arial" charset="0"/>
+                <a:cs typeface="+mn-cs"/>
+              </a:rPr>
+              <a:t> </a:t>
+            </a:r>
+            <a:r>
+              <a:rPr sz="1200" b="1">
+                <a:solidFill>
+                  <a:schemeClr val="tx1">
+                    <a:lumMod val="75000"/>
+                    <a:lumOff val="25000"/>
+                  </a:schemeClr>
+                </a:solidFill>
+                <a:latin typeface="나눔고딕" charset="0"/>
+                <a:ea typeface="나눔고딕" charset="0"/>
+              </a:rPr>
+              <a:t>저쩌구</a:t>
+            </a:r>
+            <a:endParaRPr lang="ko-KR" altLang="en-US" sz="1200" b="1">
+              <a:solidFill>
+                <a:schemeClr val="tx1">
+                  <a:lumMod val="75000"/>
+                  <a:lumOff val="25000"/>
+                </a:schemeClr>
+              </a:solidFill>
+              <a:latin typeface="나눔고딕" charset="0"/>
+              <a:ea typeface="나눔고딕" charset="0"/>
+            </a:endParaRPr>
+          </a:p>
+          <a:p>
+            <a:pPr marL="336550" indent="-336550" algn="l" defTabSz="914400" latinLnBrk="1">
+              <a:lnSpc>
+                <a:spcPct val="175000"/>
+              </a:lnSpc>
+              <a:spcBef>
+                <a:spcPts val="0"/>
+              </a:spcBef>
+              <a:spcAft>
+                <a:spcPts val="0"/>
+              </a:spcAft>
+              <a:buFontTx/>
+              <a:buNone/>
+            </a:pPr>
+            <a:r>
+              <a:rPr sz="1200" b="1">
+                <a:solidFill>
+                  <a:schemeClr val="tx1">
+                    <a:lumMod val="75000"/>
+                    <a:lumOff val="25000"/>
+                  </a:schemeClr>
+                </a:solidFill>
+                <a:latin typeface="나눔고딕" charset="0"/>
+                <a:ea typeface="나눔고딕" charset="0"/>
+              </a:rPr>
+              <a:t>-</a:t>
+            </a:r>
+            <a:r>
+              <a:rPr sz="1200" b="1">
+                <a:solidFill>
+                  <a:schemeClr val="tx1">
+                    <a:lumMod val="75000"/>
+                    <a:lumOff val="25000"/>
+                  </a:schemeClr>
+                </a:solidFill>
+                <a:latin typeface="나눔고딕" charset="0"/>
+                <a:ea typeface="Arial" charset="0"/>
+                <a:cs typeface="+mn-cs"/>
+              </a:rPr>
+              <a:t> </a:t>
+            </a:r>
+            <a:r>
+              <a:rPr sz="1200" b="1">
+                <a:solidFill>
+                  <a:schemeClr val="tx1">
+                    <a:lumMod val="75000"/>
+                    <a:lumOff val="25000"/>
+                  </a:schemeClr>
+                </a:solidFill>
+                <a:latin typeface="나눔고딕" charset="0"/>
+                <a:ea typeface="나눔고딕" charset="0"/>
+              </a:rPr>
+              <a:t>기타등등</a:t>
+            </a:r>
+            <a:endParaRPr lang="ko-KR" altLang="en-US" sz="1200" b="1">
+              <a:solidFill>
+                <a:schemeClr val="tx1">
+                  <a:lumMod val="75000"/>
+                  <a:lumOff val="25000"/>
+                </a:schemeClr>
+              </a:solidFill>
+              <a:latin typeface="나눔고딕" charset="0"/>
+              <a:ea typeface="나눔고딕" charset="0"/>
+            </a:endParaRPr>
+          </a:p>
+          <a:p>
+            <a:pPr marL="336550" indent="-336550" algn="l" defTabSz="914400" latinLnBrk="1">
+              <a:lnSpc>
+                <a:spcPct val="175000"/>
+              </a:lnSpc>
+              <a:spcBef>
+                <a:spcPts val="0"/>
+              </a:spcBef>
+              <a:spcAft>
+                <a:spcPts val="0"/>
+              </a:spcAft>
+              <a:buFontTx/>
+              <a:buNone/>
+            </a:pPr>
+            <a:endParaRPr lang="ko-KR" altLang="en-US" sz="1400" b="1">
+              <a:solidFill>
+                <a:schemeClr val="tx1">
+                  <a:lumMod val="75000"/>
+                  <a:lumOff val="25000"/>
+                </a:schemeClr>
+              </a:solidFill>
+              <a:latin typeface="나눔고딕" charset="0"/>
+              <a:ea typeface="나눔고딕" charset="0"/>
+            </a:endParaRPr>
+          </a:p>
+          <a:p>
+            <a:pPr marL="336550" indent="-336550" algn="l" defTabSz="914400" latinLnBrk="1">
+              <a:lnSpc>
+                <a:spcPct val="175000"/>
+              </a:lnSpc>
+              <a:spcBef>
+                <a:spcPts val="0"/>
+              </a:spcBef>
+              <a:spcAft>
+                <a:spcPts val="0"/>
+              </a:spcAft>
+              <a:buFontTx/>
+              <a:buNone/>
+            </a:pPr>
+            <a:endParaRPr lang="ko-KR" altLang="en-US" sz="1400" b="1">
+              <a:solidFill>
+                <a:schemeClr val="tx1">
+                  <a:lumMod val="75000"/>
+                  <a:lumOff val="25000"/>
+                </a:schemeClr>
+              </a:solidFill>
+              <a:latin typeface="나눔고딕" charset="0"/>
+              <a:ea typeface="나눔고딕" charset="0"/>
+            </a:endParaRPr>
+          </a:p>
+          <a:p>
+            <a:pPr marL="336550" indent="-336550" algn="l" defTabSz="914400" latinLnBrk="1">
+              <a:lnSpc>
+                <a:spcPct val="175000"/>
+              </a:lnSpc>
+              <a:spcBef>
+                <a:spcPts val="0"/>
+              </a:spcBef>
+              <a:spcAft>
+                <a:spcPts val="0"/>
+              </a:spcAft>
+              <a:buFontTx/>
+              <a:buNone/>
+            </a:pPr>
+            <a:endParaRPr lang="ko-KR" altLang="en-US" sz="1400" b="1">
+              <a:solidFill>
+                <a:schemeClr val="tx1">
+                  <a:lumMod val="75000"/>
+                  <a:lumOff val="25000"/>
+                </a:schemeClr>
+              </a:solidFill>
+              <a:latin typeface="나눔고딕" charset="0"/>
+              <a:ea typeface="나눔고딕" charset="0"/>
             </a:endParaRPr>
           </a:p>
         </p:txBody>
       </p:sp>
       <p:pic>
         <p:nvPicPr>
-          <p:cNvPr id="7" name="nppt_1576555064455774" descr="이미지"/>
+          <p:cNvPr id="7" name="nppt_1576555064455774"/>
           <p:cNvPicPr>
             <a:picLocks noChangeAspect="1"/>
           </p:cNvPicPr>
@@ -7171,8 +7954,8 @@
         </p:blipFill>
         <p:spPr>
           <a:xfrm>
-            <a:off x="324530" y="1602241"/>
-            <a:ext cx="1898196" cy="1224642"/>
+            <a:off x="324485" y="1602105"/>
+            <a:ext cx="1898015" cy="1224915"/>
           </a:xfrm>
           <a:prstGeom prst="rect">
             <a:avLst/>
@@ -7187,8 +7970,8 @@
         </p:nvSpPr>
         <p:spPr>
           <a:xfrm>
-            <a:off x="7627483" y="-25997"/>
-            <a:ext cx="2626178" cy="265050"/>
+            <a:off x="7627620" y="-26035"/>
+            <a:ext cx="2626360" cy="264795"/>
           </a:xfrm>
           <a:prstGeom prst="rect">
             <a:avLst/>
@@ -7225,8 +8008,8 @@
         </p:nvSpPr>
         <p:spPr>
           <a:xfrm>
-            <a:off x="8409214" y="6567487"/>
-            <a:ext cx="1350508" cy="322200"/>
+            <a:off x="8409305" y="6567170"/>
+            <a:ext cx="1350645" cy="321945"/>
           </a:xfrm>
           <a:prstGeom prst="rect">
             <a:avLst/>
@@ -7265,8 +8048,8 @@
         </p:nvSpPr>
         <p:spPr>
           <a:xfrm>
-            <a:off x="4772365" y="1239075"/>
-            <a:ext cx="2628900" cy="389555"/>
+            <a:off x="4772660" y="1238885"/>
+            <a:ext cx="2628900" cy="389255"/>
           </a:xfrm>
           <a:prstGeom prst="rect">
             <a:avLst/>
@@ -7328,8 +8111,8 @@
         </p:nvSpPr>
         <p:spPr>
           <a:xfrm>
-            <a:off x="4721678" y="1756001"/>
-            <a:ext cx="3914094" cy="4525963"/>
+            <a:off x="4721860" y="1755775"/>
+            <a:ext cx="3914140" cy="4526280"/>
           </a:xfrm>
           <a:prstGeom prst="rect">
             <a:avLst/>
@@ -7618,7 +8401,7 @@
       </p:sp>
       <p:pic>
         <p:nvPicPr>
-          <p:cNvPr id="12" name="nppt_15765550644551147" descr="이미지"/>
+          <p:cNvPr id="12" name="nppt_15765550644551147"/>
           <p:cNvPicPr>
             <a:picLocks noChangeAspect="1"/>
           </p:cNvPicPr>
@@ -7632,57 +8415,17 @@
         </p:blipFill>
         <p:spPr>
           <a:xfrm>
-            <a:off x="2671082" y="2114663"/>
-            <a:ext cx="1904319" cy="1904319"/>
+            <a:off x="2670810" y="2114550"/>
+            <a:ext cx="1904365" cy="1904365"/>
           </a:xfrm>
           <a:prstGeom prst="rect">
             <a:avLst/>
           </a:prstGeom>
         </p:spPr>
       </p:pic>
-      <p:sp>
-        <p:nvSpPr>
-          <p:cNvPr id="13" name="nppt_15765550644551796"/>
-          <p:cNvSpPr/>
-          <p:nvPr/>
-        </p:nvSpPr>
-        <p:spPr>
-          <a:xfrm>
-            <a:off x="7627483" y="575922"/>
-            <a:ext cx="1360714" cy="348733"/>
-          </a:xfrm>
-          <a:prstGeom prst="rect">
-            <a:avLst/>
-          </a:prstGeom>
-          <a:noFill/>
-        </p:spPr>
-        <p:txBody>
-          <a:bodyPr lIns="90000" tIns="46800" rIns="90000" bIns="46800" anchor="t"/>
-          <a:lstStyle/>
-          <a:p>
-            <a:pPr marL="0" algn="l" defTabSz="914400" latinLnBrk="1">
-              <a:lnSpc>
-                <a:spcPct val="100000"/>
-              </a:lnSpc>
-              <a:buNone/>
-            </a:pPr>
-            <a:r>
-              <a:rPr lang="ko-KR" altLang="ko-KR" sz="1725" b="1" kern="1200">
-                <a:solidFill>
-                  <a:srgbClr val="3F3F3F"/>
-                </a:solidFill>
-                <a:latin typeface="+mn-lt"/>
-                <a:ea typeface="+mn-ea"/>
-                <a:cs typeface="+mn-cs"/>
-              </a:rPr>
-              <a:t>아이템추가</a:t>
-            </a:r>
-          </a:p>
-        </p:txBody>
-      </p:sp>
       <p:pic>
         <p:nvPicPr>
-          <p:cNvPr id="14" name="nppt_15765550644552524" descr="이미지"/>
+          <p:cNvPr id="14" name="nppt_15765550644552524"/>
           <p:cNvPicPr>
             <a:picLocks noChangeAspect="1"/>
           </p:cNvPicPr>
@@ -7696,8 +8439,8 @@
         </p:blipFill>
         <p:spPr>
           <a:xfrm>
-            <a:off x="2671082" y="4367439"/>
-            <a:ext cx="1914524" cy="1914524"/>
+            <a:off x="2670810" y="4367530"/>
+            <a:ext cx="1914525" cy="1914525"/>
           </a:xfrm>
           <a:prstGeom prst="rect">
             <a:avLst/>
@@ -7709,6 +8452,21 @@
   <p:clrMapOvr>
     <a:masterClrMapping/>
   </p:clrMapOvr>
+  <mc:AlternateContent xmlns:mc="http://schemas.openxmlformats.org/markup-compatibility/2006">
+    <mc:Choice xmlns:p14="http://schemas.microsoft.com/office/powerpoint/2010/main" Requires="p14">
+      <p:transition spd="slow" p14:dur="2000"/>
+    </mc:Choice>
+    <mc:Fallback>
+      <p:transition spd="slow"/>
+    </mc:Fallback>
+  </mc:AlternateContent>
+  <p:timing>
+    <p:tnLst>
+      <p:par>
+        <p:cTn id="1" dur="indefinite" restart="never" nodeType="tmRoot"/>
+      </p:par>
+    </p:tnLst>
+  </p:timing>
 </p:sld>
 </file>
 
